--- a/wireframe/Presentación1.pptx
+++ b/wireframe/Presentación1.pptx
@@ -10,7 +10,6 @@
     <p:sldId id="265" r:id="rId5"/>
     <p:sldId id="263" r:id="rId6"/>
     <p:sldId id="264" r:id="rId7"/>
-    <p:sldId id="257" r:id="rId8"/>
   </p:sldIdLst>
   <p:sldSz cx="12192000" cy="6858000"/>
   <p:notesSz cx="7103745" cy="10234295"/>
@@ -2753,13 +2752,311 @@
       </p:sp>
       <p:sp>
         <p:nvSpPr>
-          <p:cNvPr id="6" name="Cuadro de texto 5"/>
+          <p:cNvPr id="9" name="Cuadro de texto 8"/>
           <p:cNvSpPr txBox="1"/>
           <p:nvPr/>
         </p:nvSpPr>
         <p:spPr>
           <a:xfrm>
-            <a:off x="147320" y="-635"/>
+            <a:off x="8691245" y="480695"/>
+            <a:ext cx="1468755" cy="337185"/>
+          </a:xfrm>
+          <a:prstGeom prst="rect">
+            <a:avLst/>
+          </a:prstGeom>
+          <a:noFill/>
+        </p:spPr>
+        <p:txBody>
+          <a:bodyPr wrap="square" rtlCol="0">
+            <a:spAutoFit/>
+          </a:bodyPr>
+          <a:p>
+            <a:r>
+              <a:rPr lang="es-ES" altLang="en-US" sz="1600">
+                <a:latin typeface="Yu Gothic UI Semibold" panose="020B0700000000000000" charset="-128"/>
+                <a:ea typeface="Yu Gothic UI Semibold" panose="020B0700000000000000" charset="-128"/>
+              </a:rPr>
+              <a:t>Acerca de Mi</a:t>
+            </a:r>
+            <a:endParaRPr lang="es-ES" altLang="en-US" sz="1600">
+              <a:latin typeface="Yu Gothic UI Semibold" panose="020B0700000000000000" charset="-128"/>
+              <a:ea typeface="Yu Gothic UI Semibold" panose="020B0700000000000000" charset="-128"/>
+            </a:endParaRPr>
+          </a:p>
+        </p:txBody>
+      </p:sp>
+      <p:sp>
+        <p:nvSpPr>
+          <p:cNvPr id="10" name="Cuadro de texto 9"/>
+          <p:cNvSpPr txBox="1"/>
+          <p:nvPr/>
+        </p:nvSpPr>
+        <p:spPr>
+          <a:xfrm>
+            <a:off x="11276965" y="480695"/>
+            <a:ext cx="918210" cy="337185"/>
+          </a:xfrm>
+          <a:prstGeom prst="rect">
+            <a:avLst/>
+          </a:prstGeom>
+          <a:noFill/>
+        </p:spPr>
+        <p:txBody>
+          <a:bodyPr wrap="square" rtlCol="0">
+            <a:spAutoFit/>
+          </a:bodyPr>
+          <a:p>
+            <a:r>
+              <a:rPr lang="es-ES" altLang="en-US" sz="1600">
+                <a:latin typeface="Yu Gothic UI Semibold" panose="020B0700000000000000" charset="-128"/>
+                <a:ea typeface="Yu Gothic UI Semibold" panose="020B0700000000000000" charset="-128"/>
+              </a:rPr>
+              <a:t>turnos</a:t>
+            </a:r>
+            <a:endParaRPr lang="es-ES" altLang="en-US" sz="1600">
+              <a:latin typeface="Yu Gothic UI Semibold" panose="020B0700000000000000" charset="-128"/>
+              <a:ea typeface="Yu Gothic UI Semibold" panose="020B0700000000000000" charset="-128"/>
+            </a:endParaRPr>
+          </a:p>
+        </p:txBody>
+      </p:sp>
+      <p:sp>
+        <p:nvSpPr>
+          <p:cNvPr id="11" name="Cuadro de texto 10"/>
+          <p:cNvSpPr txBox="1"/>
+          <p:nvPr/>
+        </p:nvSpPr>
+        <p:spPr>
+          <a:xfrm>
+            <a:off x="10160000" y="480695"/>
+            <a:ext cx="1138555" cy="337185"/>
+          </a:xfrm>
+          <a:prstGeom prst="rect">
+            <a:avLst/>
+          </a:prstGeom>
+          <a:noFill/>
+        </p:spPr>
+        <p:txBody>
+          <a:bodyPr wrap="square" rtlCol="0">
+            <a:spAutoFit/>
+          </a:bodyPr>
+          <a:p>
+            <a:r>
+              <a:rPr lang="es-ES" altLang="en-US" sz="1600">
+                <a:latin typeface="Yu Gothic UI Semibold" panose="020B0700000000000000" charset="-128"/>
+                <a:ea typeface="Yu Gothic UI Semibold" panose="020B0700000000000000" charset="-128"/>
+              </a:rPr>
+              <a:t>Contacto</a:t>
+            </a:r>
+            <a:endParaRPr lang="es-ES" altLang="en-US" sz="1600">
+              <a:latin typeface="Yu Gothic UI Semibold" panose="020B0700000000000000" charset="-128"/>
+              <a:ea typeface="Yu Gothic UI Semibold" panose="020B0700000000000000" charset="-128"/>
+            </a:endParaRPr>
+          </a:p>
+        </p:txBody>
+      </p:sp>
+      <p:sp>
+        <p:nvSpPr>
+          <p:cNvPr id="12" name="Cuadro de texto 11"/>
+          <p:cNvSpPr txBox="1"/>
+          <p:nvPr/>
+        </p:nvSpPr>
+        <p:spPr>
+          <a:xfrm>
+            <a:off x="6234430" y="480695"/>
+            <a:ext cx="774700" cy="337185"/>
+          </a:xfrm>
+          <a:prstGeom prst="rect">
+            <a:avLst/>
+          </a:prstGeom>
+          <a:noFill/>
+        </p:spPr>
+        <p:txBody>
+          <a:bodyPr wrap="square" rtlCol="0">
+            <a:spAutoFit/>
+          </a:bodyPr>
+          <a:p>
+            <a:r>
+              <a:rPr lang="es-ES" altLang="en-US" sz="1600">
+                <a:latin typeface="Yu Gothic UI Semibold" panose="020B0700000000000000" charset="-128"/>
+                <a:ea typeface="Yu Gothic UI Semibold" panose="020B0700000000000000" charset="-128"/>
+              </a:rPr>
+              <a:t>Inicio</a:t>
+            </a:r>
+            <a:endParaRPr lang="es-ES" altLang="en-US" sz="1600">
+              <a:latin typeface="Yu Gothic UI Semibold" panose="020B0700000000000000" charset="-128"/>
+              <a:ea typeface="Yu Gothic UI Semibold" panose="020B0700000000000000" charset="-128"/>
+            </a:endParaRPr>
+          </a:p>
+        </p:txBody>
+      </p:sp>
+      <p:sp>
+        <p:nvSpPr>
+          <p:cNvPr id="14" name="Cuadro de texto 13"/>
+          <p:cNvSpPr txBox="1"/>
+          <p:nvPr/>
+        </p:nvSpPr>
+        <p:spPr>
+          <a:xfrm>
+            <a:off x="7049135" y="480695"/>
+            <a:ext cx="1642110" cy="337185"/>
+          </a:xfrm>
+          <a:prstGeom prst="rect">
+            <a:avLst/>
+          </a:prstGeom>
+          <a:noFill/>
+        </p:spPr>
+        <p:txBody>
+          <a:bodyPr wrap="square" rtlCol="0">
+            <a:spAutoFit/>
+          </a:bodyPr>
+          <a:p>
+            <a:r>
+              <a:rPr lang="es-ES" altLang="en-US" sz="1600">
+                <a:latin typeface="Yu Gothic UI Semibold" panose="020B0700000000000000" charset="-128"/>
+                <a:ea typeface="Yu Gothic UI Semibold" panose="020B0700000000000000" charset="-128"/>
+              </a:rPr>
+              <a:t>Especialidades</a:t>
+            </a:r>
+            <a:endParaRPr lang="es-ES" altLang="en-US" sz="1600">
+              <a:latin typeface="Yu Gothic UI Semibold" panose="020B0700000000000000" charset="-128"/>
+              <a:ea typeface="Yu Gothic UI Semibold" panose="020B0700000000000000" charset="-128"/>
+            </a:endParaRPr>
+          </a:p>
+        </p:txBody>
+      </p:sp>
+      <p:pic>
+        <p:nvPicPr>
+          <p:cNvPr id="15" name="Imagen 14" descr="logoInstagramnegro20px"/>
+          <p:cNvPicPr>
+            <a:picLocks noChangeAspect="1"/>
+          </p:cNvPicPr>
+          <p:nvPr/>
+        </p:nvPicPr>
+        <p:blipFill>
+          <a:blip r:embed="rId3"/>
+          <a:stretch>
+            <a:fillRect/>
+          </a:stretch>
+        </p:blipFill>
+        <p:spPr>
+          <a:xfrm>
+            <a:off x="11352530" y="93345"/>
+            <a:ext cx="256540" cy="256540"/>
+          </a:xfrm>
+          <a:prstGeom prst="rect">
+            <a:avLst/>
+          </a:prstGeom>
+        </p:spPr>
+      </p:pic>
+      <p:pic>
+        <p:nvPicPr>
+          <p:cNvPr id="16" name="Imagen 15" descr="logoLinkedinnegro24px"/>
+          <p:cNvPicPr>
+            <a:picLocks noChangeAspect="1"/>
+          </p:cNvPicPr>
+          <p:nvPr/>
+        </p:nvPicPr>
+        <p:blipFill>
+          <a:blip r:embed="rId4"/>
+          <a:stretch>
+            <a:fillRect/>
+          </a:stretch>
+        </p:blipFill>
+        <p:spPr>
+          <a:xfrm>
+            <a:off x="10881360" y="102235"/>
+            <a:ext cx="238125" cy="238125"/>
+          </a:xfrm>
+          <a:prstGeom prst="rect">
+            <a:avLst/>
+          </a:prstGeom>
+        </p:spPr>
+      </p:pic>
+      <p:pic>
+        <p:nvPicPr>
+          <p:cNvPr id="17" name="Imagen 16" descr="logoWspNegro24px"/>
+          <p:cNvPicPr>
+            <a:picLocks noChangeAspect="1"/>
+          </p:cNvPicPr>
+          <p:nvPr/>
+        </p:nvPicPr>
+        <p:blipFill>
+          <a:blip r:embed="rId5"/>
+          <a:stretch>
+            <a:fillRect/>
+          </a:stretch>
+        </p:blipFill>
+        <p:spPr>
+          <a:xfrm>
+            <a:off x="11846560" y="80010"/>
+            <a:ext cx="271780" cy="283845"/>
+          </a:xfrm>
+          <a:prstGeom prst="rect">
+            <a:avLst/>
+          </a:prstGeom>
+        </p:spPr>
+      </p:pic>
+      <p:sp>
+        <p:nvSpPr>
+          <p:cNvPr id="2" name="Cuadro de texto 1"/>
+          <p:cNvSpPr txBox="1"/>
+          <p:nvPr/>
+        </p:nvSpPr>
+        <p:spPr>
+          <a:xfrm>
+            <a:off x="2813685" y="2506345"/>
+            <a:ext cx="6565265" cy="1845310"/>
+          </a:xfrm>
+          <a:prstGeom prst="rect">
+            <a:avLst/>
+          </a:prstGeom>
+          <a:noFill/>
+        </p:spPr>
+        <p:txBody>
+          <a:bodyPr wrap="square" rtlCol="0">
+            <a:spAutoFit/>
+          </a:bodyPr>
+          <a:p>
+            <a:pPr algn="ctr"/>
+            <a:r>
+              <a:rPr lang="en-US" sz="2400">
+                <a:latin typeface="HoloLens MDL2 Assets" panose="050A0102010101010101" charset="0"/>
+                <a:cs typeface="HoloLens MDL2 Assets" panose="050A0102010101010101" charset="0"/>
+              </a:rPr>
+              <a:t>Lorem Ipsum</a:t>
+            </a:r>
+            <a:endParaRPr lang="en-US" sz="2400">
+              <a:latin typeface="HoloLens MDL2 Assets" panose="050A0102010101010101" charset="0"/>
+              <a:cs typeface="HoloLens MDL2 Assets" panose="050A0102010101010101" charset="0"/>
+            </a:endParaRPr>
+          </a:p>
+          <a:p>
+            <a:pPr algn="ctr"/>
+            <a:r>
+              <a:rPr lang="en-US" sz="2400">
+                <a:latin typeface="HoloLens MDL2 Assets" panose="050A0102010101010101" charset="0"/>
+                <a:cs typeface="HoloLens MDL2 Assets" panose="050A0102010101010101" charset="0"/>
+              </a:rPr>
+              <a:t>"Neque porro quisquam est qui dolorem ipsum quia dolor sit amet, consectetur, adipisci velit..."</a:t>
+            </a:r>
+            <a:endParaRPr lang="en-US"/>
+          </a:p>
+          <a:p>
+            <a:pPr algn="l"/>
+            <a:endParaRPr lang="en-US"/>
+          </a:p>
+        </p:txBody>
+      </p:sp>
+      <p:sp>
+        <p:nvSpPr>
+          <p:cNvPr id="3" name="Cuadro de texto 2"/>
+          <p:cNvSpPr txBox="1"/>
+          <p:nvPr/>
+        </p:nvSpPr>
+        <p:spPr>
+          <a:xfrm>
+            <a:off x="147320" y="-32385"/>
             <a:ext cx="2352040" cy="445135"/>
           </a:xfrm>
           <a:prstGeom prst="rect">
@@ -2788,13 +3085,13 @@
       </p:sp>
       <p:sp>
         <p:nvSpPr>
-          <p:cNvPr id="8" name="Cuadro de texto 7"/>
+          <p:cNvPr id="7" name="Cuadro de texto 6"/>
           <p:cNvSpPr txBox="1"/>
           <p:nvPr/>
         </p:nvSpPr>
         <p:spPr>
           <a:xfrm>
-            <a:off x="132080" y="246380"/>
+            <a:off x="132080" y="214630"/>
             <a:ext cx="2367280" cy="645160"/>
           </a:xfrm>
           <a:prstGeom prst="rect">
@@ -2847,294 +3144,43 @@
           </a:p>
         </p:txBody>
       </p:sp>
-      <p:sp>
-        <p:nvSpPr>
-          <p:cNvPr id="9" name="Cuadro de texto 8"/>
-          <p:cNvSpPr txBox="1"/>
-          <p:nvPr/>
-        </p:nvSpPr>
-        <p:spPr>
-          <a:xfrm>
-            <a:off x="8691245" y="480695"/>
-            <a:ext cx="1468755" cy="337185"/>
-          </a:xfrm>
-          <a:prstGeom prst="rect">
-            <a:avLst/>
-          </a:prstGeom>
-          <a:noFill/>
-        </p:spPr>
-        <p:txBody>
-          <a:bodyPr wrap="square" rtlCol="0">
-            <a:spAutoFit/>
-          </a:bodyPr>
-          <a:p>
-            <a:r>
-              <a:rPr lang="es-ES" altLang="en-US" sz="1600">
-                <a:latin typeface="Yu Gothic UI Semibold" panose="020B0700000000000000" charset="-128"/>
-                <a:ea typeface="Yu Gothic UI Semibold" panose="020B0700000000000000" charset="-128"/>
-              </a:rPr>
-              <a:t>Acerca de Mi</a:t>
-            </a:r>
-            <a:endParaRPr lang="es-ES" altLang="en-US" sz="1600">
-              <a:latin typeface="Yu Gothic UI Semibold" panose="020B0700000000000000" charset="-128"/>
-              <a:ea typeface="Yu Gothic UI Semibold" panose="020B0700000000000000" charset="-128"/>
-            </a:endParaRPr>
-          </a:p>
-        </p:txBody>
-      </p:sp>
-      <p:sp>
-        <p:nvSpPr>
-          <p:cNvPr id="10" name="Cuadro de texto 9"/>
-          <p:cNvSpPr txBox="1"/>
-          <p:nvPr/>
-        </p:nvSpPr>
-        <p:spPr>
-          <a:xfrm>
-            <a:off x="11276965" y="480695"/>
-            <a:ext cx="918210" cy="337185"/>
-          </a:xfrm>
-          <a:prstGeom prst="rect">
-            <a:avLst/>
-          </a:prstGeom>
-          <a:noFill/>
-        </p:spPr>
-        <p:txBody>
-          <a:bodyPr wrap="square" rtlCol="0">
-            <a:spAutoFit/>
-          </a:bodyPr>
-          <a:p>
-            <a:r>
-              <a:rPr lang="es-ES" altLang="en-US" sz="1600">
-                <a:latin typeface="Yu Gothic UI Semibold" panose="020B0700000000000000" charset="-128"/>
-                <a:ea typeface="Yu Gothic UI Semibold" panose="020B0700000000000000" charset="-128"/>
-              </a:rPr>
-              <a:t>turnos</a:t>
-            </a:r>
-            <a:endParaRPr lang="es-ES" altLang="en-US" sz="1600">
-              <a:latin typeface="Yu Gothic UI Semibold" panose="020B0700000000000000" charset="-128"/>
-              <a:ea typeface="Yu Gothic UI Semibold" panose="020B0700000000000000" charset="-128"/>
-            </a:endParaRPr>
-          </a:p>
-        </p:txBody>
-      </p:sp>
-      <p:sp>
-        <p:nvSpPr>
-          <p:cNvPr id="11" name="Cuadro de texto 10"/>
-          <p:cNvSpPr txBox="1"/>
-          <p:nvPr/>
-        </p:nvSpPr>
-        <p:spPr>
-          <a:xfrm>
-            <a:off x="10160000" y="480695"/>
-            <a:ext cx="1138555" cy="337185"/>
-          </a:xfrm>
-          <a:prstGeom prst="rect">
-            <a:avLst/>
-          </a:prstGeom>
-          <a:noFill/>
-        </p:spPr>
-        <p:txBody>
-          <a:bodyPr wrap="square" rtlCol="0">
-            <a:spAutoFit/>
-          </a:bodyPr>
-          <a:p>
-            <a:r>
-              <a:rPr lang="es-ES" altLang="en-US" sz="1600">
-                <a:latin typeface="Yu Gothic UI Semibold" panose="020B0700000000000000" charset="-128"/>
-                <a:ea typeface="Yu Gothic UI Semibold" panose="020B0700000000000000" charset="-128"/>
-              </a:rPr>
-              <a:t>Contacto</a:t>
-            </a:r>
-            <a:endParaRPr lang="es-ES" altLang="en-US" sz="1600">
-              <a:latin typeface="Yu Gothic UI Semibold" panose="020B0700000000000000" charset="-128"/>
-              <a:ea typeface="Yu Gothic UI Semibold" panose="020B0700000000000000" charset="-128"/>
-            </a:endParaRPr>
-          </a:p>
-        </p:txBody>
-      </p:sp>
-      <p:sp>
-        <p:nvSpPr>
-          <p:cNvPr id="12" name="Cuadro de texto 11"/>
-          <p:cNvSpPr txBox="1"/>
-          <p:nvPr/>
-        </p:nvSpPr>
-        <p:spPr>
-          <a:xfrm>
-            <a:off x="6234430" y="480695"/>
-            <a:ext cx="774700" cy="337185"/>
-          </a:xfrm>
-          <a:prstGeom prst="rect">
-            <a:avLst/>
-          </a:prstGeom>
-          <a:noFill/>
-        </p:spPr>
-        <p:txBody>
-          <a:bodyPr wrap="square" rtlCol="0">
-            <a:spAutoFit/>
-          </a:bodyPr>
-          <a:p>
-            <a:r>
-              <a:rPr lang="es-ES" altLang="en-US" sz="1600">
-                <a:latin typeface="Yu Gothic UI Semibold" panose="020B0700000000000000" charset="-128"/>
-                <a:ea typeface="Yu Gothic UI Semibold" panose="020B0700000000000000" charset="-128"/>
-              </a:rPr>
-              <a:t>Inicio</a:t>
-            </a:r>
-            <a:endParaRPr lang="es-ES" altLang="en-US" sz="1600">
-              <a:latin typeface="Yu Gothic UI Semibold" panose="020B0700000000000000" charset="-128"/>
-              <a:ea typeface="Yu Gothic UI Semibold" panose="020B0700000000000000" charset="-128"/>
-            </a:endParaRPr>
-          </a:p>
-        </p:txBody>
-      </p:sp>
-      <p:sp>
-        <p:nvSpPr>
-          <p:cNvPr id="14" name="Cuadro de texto 13"/>
-          <p:cNvSpPr txBox="1"/>
-          <p:nvPr/>
-        </p:nvSpPr>
-        <p:spPr>
-          <a:xfrm>
-            <a:off x="7049135" y="480695"/>
-            <a:ext cx="1642110" cy="337185"/>
-          </a:xfrm>
-          <a:prstGeom prst="rect">
-            <a:avLst/>
-          </a:prstGeom>
-          <a:noFill/>
-        </p:spPr>
-        <p:txBody>
-          <a:bodyPr wrap="square" rtlCol="0">
-            <a:spAutoFit/>
-          </a:bodyPr>
-          <a:p>
-            <a:r>
-              <a:rPr lang="es-ES" altLang="en-US" sz="1600">
-                <a:latin typeface="Yu Gothic UI Semibold" panose="020B0700000000000000" charset="-128"/>
-                <a:ea typeface="Yu Gothic UI Semibold" panose="020B0700000000000000" charset="-128"/>
-              </a:rPr>
-              <a:t>Especialidades</a:t>
-            </a:r>
-            <a:endParaRPr lang="es-ES" altLang="en-US" sz="1600">
-              <a:latin typeface="Yu Gothic UI Semibold" panose="020B0700000000000000" charset="-128"/>
-              <a:ea typeface="Yu Gothic UI Semibold" panose="020B0700000000000000" charset="-128"/>
-            </a:endParaRPr>
-          </a:p>
-        </p:txBody>
-      </p:sp>
       <p:pic>
         <p:nvPicPr>
-          <p:cNvPr id="15" name="Imagen 14" descr="logoInstagramnegro20px"/>
+          <p:cNvPr id="6" name="Imagen 5"/>
           <p:cNvPicPr>
             <a:picLocks noChangeAspect="1"/>
           </p:cNvPicPr>
           <p:nvPr/>
         </p:nvPicPr>
         <p:blipFill>
-          <a:blip r:embed="rId3"/>
+          <a:blip r:embed="rId6"/>
+          <a:srcRect l="31383" t="12852" r="31363" b="13065"/>
           <a:stretch>
             <a:fillRect/>
           </a:stretch>
         </p:blipFill>
         <p:spPr>
           <a:xfrm>
-            <a:off x="11352530" y="93345"/>
-            <a:ext cx="256540" cy="256540"/>
-          </a:xfrm>
-          <a:prstGeom prst="rect">
+            <a:off x="1477645" y="1414145"/>
+            <a:ext cx="2449830" cy="4871720"/>
+          </a:xfrm>
+          <a:prstGeom prst="roundRect">
             <a:avLst/>
           </a:prstGeom>
         </p:spPr>
       </p:pic>
-      <p:pic>
-        <p:nvPicPr>
-          <p:cNvPr id="16" name="Imagen 15" descr="logoLinkedinnegro24px"/>
-          <p:cNvPicPr>
-            <a:picLocks noChangeAspect="1"/>
-          </p:cNvPicPr>
-          <p:nvPr/>
-        </p:nvPicPr>
-        <p:blipFill>
-          <a:blip r:embed="rId4"/>
-          <a:stretch>
-            <a:fillRect/>
-          </a:stretch>
-        </p:blipFill>
-        <p:spPr>
-          <a:xfrm>
-            <a:off x="10881360" y="102235"/>
-            <a:ext cx="238125" cy="238125"/>
-          </a:xfrm>
-          <a:prstGeom prst="rect">
-            <a:avLst/>
-          </a:prstGeom>
-        </p:spPr>
-      </p:pic>
-      <p:pic>
-        <p:nvPicPr>
-          <p:cNvPr id="17" name="Imagen 16" descr="logoWspNegro24px"/>
-          <p:cNvPicPr>
-            <a:picLocks noChangeAspect="1"/>
-          </p:cNvPicPr>
-          <p:nvPr/>
-        </p:nvPicPr>
-        <p:blipFill>
-          <a:blip r:embed="rId5"/>
-          <a:stretch>
-            <a:fillRect/>
-          </a:stretch>
-        </p:blipFill>
-        <p:spPr>
-          <a:xfrm>
-            <a:off x="11846560" y="80010"/>
-            <a:ext cx="271780" cy="283845"/>
-          </a:xfrm>
-          <a:prstGeom prst="rect">
-            <a:avLst/>
-          </a:prstGeom>
-        </p:spPr>
-      </p:pic>
-    </p:spTree>
-  </p:cSld>
-  <p:clrMapOvr>
-    <a:masterClrMapping/>
-  </p:clrMapOvr>
-</p:sld>
-</file>
-
-<file path=ppt/slides/slide2.xml><?xml version="1.0" encoding="utf-8"?>
-<p:sld xmlns:a="http://schemas.openxmlformats.org/drawingml/2006/main" xmlns:r="http://schemas.openxmlformats.org/officeDocument/2006/relationships" xmlns:p="http://schemas.openxmlformats.org/presentationml/2006/main">
-  <p:cSld>
-    <p:bg>
-      <p:bgPr>
-        <a:blipFill rotWithShape="1">
-          <a:blip r:embed="rId1"/>
-          <a:stretch>
-            <a:fillRect/>
-          </a:stretch>
-        </a:blipFill>
-        <a:effectLst/>
-      </p:bgPr>
-    </p:bg>
-    <p:spTree>
-      <p:nvGrpSpPr>
-        <p:cNvPr id="1" name=""/>
-        <p:cNvGrpSpPr/>
-        <p:nvPr/>
-      </p:nvGrpSpPr>
-      <p:grpSpPr/>
-      <p:sp>
-        <p:nvSpPr>
-          <p:cNvPr id="4" name="Rectángulo 3"/>
+      <p:sp>
+        <p:nvSpPr>
+          <p:cNvPr id="20" name="Redondear rectángulo de esquina del mismo lado 19"/>
           <p:cNvSpPr/>
           <p:nvPr/>
         </p:nvSpPr>
         <p:spPr>
           <a:xfrm>
-            <a:off x="-12700" y="-32385"/>
-            <a:ext cx="12218035" cy="846455"/>
-          </a:xfrm>
-          <a:prstGeom prst="rect">
+            <a:off x="1638935" y="1570990"/>
+            <a:ext cx="2113280" cy="838200"/>
+          </a:xfrm>
+          <a:prstGeom prst="round2SameRect">
             <a:avLst/>
           </a:prstGeom>
           <a:blipFill rotWithShape="1">
@@ -3173,23 +3219,141 @@
       </p:sp>
       <p:sp>
         <p:nvSpPr>
-          <p:cNvPr id="5" name="Rectángulo 4"/>
+          <p:cNvPr id="13" name="Cuadro de texto 12"/>
+          <p:cNvSpPr txBox="1"/>
+          <p:nvPr/>
+        </p:nvSpPr>
+        <p:spPr>
+          <a:xfrm>
+            <a:off x="1670685" y="1570990"/>
+            <a:ext cx="1951990" cy="368300"/>
+          </a:xfrm>
+          <a:prstGeom prst="rect">
+            <a:avLst/>
+          </a:prstGeom>
+          <a:noFill/>
+        </p:spPr>
+        <p:txBody>
+          <a:bodyPr wrap="square" rtlCol="0">
+            <a:spAutoFit/>
+          </a:bodyPr>
+          <a:p>
+            <a:r>
+              <a:rPr lang="es-ES" altLang="en-US">
+                <a:latin typeface="Yu Gothic UI Semibold" panose="020B0700000000000000" charset="-128"/>
+                <a:ea typeface="Yu Gothic UI Semibold" panose="020B0700000000000000" charset="-128"/>
+              </a:rPr>
+              <a:t>Mariné Romero</a:t>
+            </a:r>
+            <a:endParaRPr lang="es-ES" altLang="en-US">
+              <a:latin typeface="Yu Gothic UI Semibold" panose="020B0700000000000000" charset="-128"/>
+              <a:ea typeface="Yu Gothic UI Semibold" panose="020B0700000000000000" charset="-128"/>
+            </a:endParaRPr>
+          </a:p>
+        </p:txBody>
+      </p:sp>
+      <p:sp>
+        <p:nvSpPr>
+          <p:cNvPr id="18" name="Cuadro de texto 17"/>
+          <p:cNvSpPr txBox="1"/>
+          <p:nvPr/>
+        </p:nvSpPr>
+        <p:spPr>
+          <a:xfrm>
+            <a:off x="1670685" y="1875790"/>
+            <a:ext cx="1584325" cy="460375"/>
+          </a:xfrm>
+          <a:prstGeom prst="rect">
+            <a:avLst/>
+          </a:prstGeom>
+          <a:noFill/>
+        </p:spPr>
+        <p:txBody>
+          <a:bodyPr wrap="square" rtlCol="0">
+            <a:spAutoFit/>
+          </a:bodyPr>
+          <a:p>
+            <a:r>
+              <a:rPr lang="es-ES" altLang="en-US" sz="2400">
+                <a:ln>
+                  <a:noFill/>
+                </a:ln>
+                <a:solidFill>
+                  <a:schemeClr val="tx1"/>
+                </a:solidFill>
+                <a:effectLst>
+                  <a:innerShdw blurRad="63500" dist="50800" dir="13500000">
+                    <a:srgbClr val="000000">
+                      <a:alpha val="50000"/>
+                    </a:srgbClr>
+                  </a:innerShdw>
+                </a:effectLst>
+                <a:latin typeface="Yu Gothic UI Semibold" panose="020B0700000000000000" charset="-128"/>
+                <a:ea typeface="Yu Gothic UI Semibold" panose="020B0700000000000000" charset="-128"/>
+              </a:rPr>
+              <a:t>Psicología</a:t>
+            </a:r>
+            <a:endParaRPr lang="es-ES" altLang="en-US" sz="2400">
+              <a:ln>
+                <a:noFill/>
+              </a:ln>
+              <a:solidFill>
+                <a:schemeClr val="tx1"/>
+              </a:solidFill>
+              <a:effectLst>
+                <a:innerShdw blurRad="63500" dist="50800" dir="13500000">
+                  <a:srgbClr val="000000">
+                    <a:alpha val="50000"/>
+                  </a:srgbClr>
+                </a:innerShdw>
+              </a:effectLst>
+              <a:latin typeface="Yu Gothic UI Semibold" panose="020B0700000000000000" charset="-128"/>
+              <a:ea typeface="Yu Gothic UI Semibold" panose="020B0700000000000000" charset="-128"/>
+            </a:endParaRPr>
+          </a:p>
+        </p:txBody>
+      </p:sp>
+      <p:pic>
+        <p:nvPicPr>
+          <p:cNvPr id="19" name="Imagen 18" descr="menu20px"/>
+          <p:cNvPicPr>
+            <a:picLocks noChangeAspect="1"/>
+          </p:cNvPicPr>
+          <p:nvPr/>
+        </p:nvPicPr>
+        <p:blipFill>
+          <a:blip r:embed="rId7"/>
+          <a:stretch>
+            <a:fillRect/>
+          </a:stretch>
+        </p:blipFill>
+        <p:spPr>
+          <a:xfrm>
+            <a:off x="3368675" y="1979295"/>
+            <a:ext cx="254000" cy="254000"/>
+          </a:xfrm>
+          <a:prstGeom prst="rect">
+            <a:avLst/>
+          </a:prstGeom>
+        </p:spPr>
+      </p:pic>
+      <p:sp>
+        <p:nvSpPr>
+          <p:cNvPr id="22" name="Redondear rectángulo de esquina del mismo lado 21"/>
           <p:cNvSpPr/>
           <p:nvPr/>
         </p:nvSpPr>
         <p:spPr>
-          <a:xfrm>
-            <a:off x="-12700" y="6016625"/>
-            <a:ext cx="12218035" cy="846455"/>
-          </a:xfrm>
-          <a:prstGeom prst="rect">
-            <a:avLst/>
-          </a:prstGeom>
-          <a:blipFill rotWithShape="1">
-            <a:blip r:embed="rId2"/>
-            <a:stretch>
-              <a:fillRect/>
-            </a:stretch>
+          <a:xfrm rot="10800000">
+            <a:off x="1635760" y="2409190"/>
+            <a:ext cx="2113280" cy="3728720"/>
+          </a:xfrm>
+          <a:prstGeom prst="round2SameRect">
+            <a:avLst/>
+          </a:prstGeom>
+          <a:blipFill rotWithShape="0">
+            <a:blip r:embed="rId1"/>
+            <a:tile ty="25400" sx="50000" sy="50000" algn="bl"/>
           </a:blipFill>
           <a:ln>
             <a:noFill/>
@@ -3215,6 +3379,181 @@
           <a:bodyPr rtlCol="0" anchor="ctr"/>
           <a:p>
             <a:pPr algn="ctr"/>
+            <a:endParaRPr lang="en-US"/>
+          </a:p>
+        </p:txBody>
+      </p:sp>
+      <p:sp>
+        <p:nvSpPr>
+          <p:cNvPr id="23" name="Cuadro de texto 22"/>
+          <p:cNvSpPr txBox="1"/>
+          <p:nvPr/>
+        </p:nvSpPr>
+        <p:spPr>
+          <a:xfrm>
+            <a:off x="1581785" y="3179445"/>
+            <a:ext cx="2192655" cy="829945"/>
+          </a:xfrm>
+          <a:prstGeom prst="rect">
+            <a:avLst/>
+          </a:prstGeom>
+          <a:noFill/>
+        </p:spPr>
+        <p:txBody>
+          <a:bodyPr wrap="square" rtlCol="0">
+            <a:spAutoFit/>
+          </a:bodyPr>
+          <a:p>
+            <a:pPr algn="ctr"/>
+            <a:r>
+              <a:rPr lang="en-US" sz="1000">
+                <a:latin typeface="HoloLens MDL2 Assets" panose="050A0102010101010101" charset="0"/>
+                <a:cs typeface="HoloLens MDL2 Assets" panose="050A0102010101010101" charset="0"/>
+              </a:rPr>
+              <a:t>Lorem Ipsum</a:t>
+            </a:r>
+            <a:endParaRPr lang="en-US" sz="1000">
+              <a:latin typeface="HoloLens MDL2 Assets" panose="050A0102010101010101" charset="0"/>
+              <a:cs typeface="HoloLens MDL2 Assets" panose="050A0102010101010101" charset="0"/>
+            </a:endParaRPr>
+          </a:p>
+          <a:p>
+            <a:pPr algn="ctr"/>
+            <a:r>
+              <a:rPr lang="en-US" sz="1000">
+                <a:latin typeface="HoloLens MDL2 Assets" panose="050A0102010101010101" charset="0"/>
+                <a:cs typeface="HoloLens MDL2 Assets" panose="050A0102010101010101" charset="0"/>
+              </a:rPr>
+              <a:t>"Neque porro quisquam est qui dolorem ipsum quia dolor sit amet, consectetur, adipisci velit..."</a:t>
+            </a:r>
+            <a:endParaRPr lang="en-US" sz="800"/>
+          </a:p>
+          <a:p>
+            <a:pPr algn="l"/>
+            <a:endParaRPr lang="en-US" sz="800"/>
+          </a:p>
+        </p:txBody>
+      </p:sp>
+    </p:spTree>
+  </p:cSld>
+  <p:clrMapOvr>
+    <a:masterClrMapping/>
+  </p:clrMapOvr>
+</p:sld>
+</file>
+
+<file path=ppt/slides/slide2.xml><?xml version="1.0" encoding="utf-8"?>
+<p:sld xmlns:a="http://schemas.openxmlformats.org/drawingml/2006/main" xmlns:r="http://schemas.openxmlformats.org/officeDocument/2006/relationships" xmlns:p="http://schemas.openxmlformats.org/presentationml/2006/main">
+  <p:cSld>
+    <p:bg>
+      <p:bgPr>
+        <a:solidFill>
+          <a:srgbClr val="EDD4C1">
+            <a:alpha val="27000"/>
+          </a:srgbClr>
+        </a:solidFill>
+        <a:effectLst/>
+      </p:bgPr>
+    </p:bg>
+    <p:spTree>
+      <p:nvGrpSpPr>
+        <p:cNvPr id="1" name=""/>
+        <p:cNvGrpSpPr/>
+        <p:nvPr/>
+      </p:nvGrpSpPr>
+      <p:grpSpPr/>
+      <p:sp>
+        <p:nvSpPr>
+          <p:cNvPr id="4" name="Rectángulo 3"/>
+          <p:cNvSpPr/>
+          <p:nvPr/>
+        </p:nvSpPr>
+        <p:spPr>
+          <a:xfrm>
+            <a:off x="-12700" y="-32385"/>
+            <a:ext cx="12218035" cy="846455"/>
+          </a:xfrm>
+          <a:prstGeom prst="rect">
+            <a:avLst/>
+          </a:prstGeom>
+          <a:blipFill rotWithShape="1">
+            <a:blip r:embed="rId1"/>
+            <a:stretch>
+              <a:fillRect/>
+            </a:stretch>
+          </a:blipFill>
+          <a:ln>
+            <a:noFill/>
+          </a:ln>
+        </p:spPr>
+        <p:style>
+          <a:lnRef idx="2">
+            <a:schemeClr val="accent1">
+              <a:shade val="50000"/>
+            </a:schemeClr>
+          </a:lnRef>
+          <a:fillRef idx="1">
+            <a:schemeClr val="accent1"/>
+          </a:fillRef>
+          <a:effectRef idx="0">
+            <a:schemeClr val="accent1"/>
+          </a:effectRef>
+          <a:fontRef idx="minor">
+            <a:schemeClr val="lt1"/>
+          </a:fontRef>
+        </p:style>
+        <p:txBody>
+          <a:bodyPr rtlCol="0" anchor="ctr"/>
+          <a:p>
+            <a:pPr algn="ctr"/>
+            <a:endParaRPr lang="en-US"/>
+          </a:p>
+        </p:txBody>
+      </p:sp>
+      <p:sp>
+        <p:nvSpPr>
+          <p:cNvPr id="5" name="Rectángulo 4"/>
+          <p:cNvSpPr/>
+          <p:nvPr/>
+        </p:nvSpPr>
+        <p:spPr>
+          <a:xfrm>
+            <a:off x="-12700" y="6016625"/>
+            <a:ext cx="12218035" cy="846455"/>
+          </a:xfrm>
+          <a:prstGeom prst="rect">
+            <a:avLst/>
+          </a:prstGeom>
+          <a:blipFill rotWithShape="1">
+            <a:blip r:embed="rId1"/>
+            <a:stretch>
+              <a:fillRect/>
+            </a:stretch>
+          </a:blipFill>
+          <a:ln>
+            <a:noFill/>
+          </a:ln>
+        </p:spPr>
+        <p:style>
+          <a:lnRef idx="2">
+            <a:schemeClr val="accent1">
+              <a:shade val="50000"/>
+            </a:schemeClr>
+          </a:lnRef>
+          <a:fillRef idx="1">
+            <a:schemeClr val="accent1"/>
+          </a:fillRef>
+          <a:effectRef idx="0">
+            <a:schemeClr val="accent1"/>
+          </a:effectRef>
+          <a:fontRef idx="minor">
+            <a:schemeClr val="lt1"/>
+          </a:fontRef>
+        </p:style>
+        <p:txBody>
+          <a:bodyPr rtlCol="0" anchor="ctr"/>
+          <a:p>
+            <a:pPr algn="ctr"/>
             <a:r>
               <a:rPr lang="es-ES" altLang="en-US" sz="1400">
                 <a:solidFill>
@@ -3233,13 +3572,993 @@
       </p:sp>
       <p:sp>
         <p:nvSpPr>
-          <p:cNvPr id="6" name="Cuadro de texto 5"/>
+          <p:cNvPr id="9" name="Cuadro de texto 8"/>
           <p:cNvSpPr txBox="1"/>
           <p:nvPr/>
         </p:nvSpPr>
         <p:spPr>
           <a:xfrm>
-            <a:off x="147320" y="-635"/>
+            <a:off x="8691245" y="480695"/>
+            <a:ext cx="1468755" cy="337185"/>
+          </a:xfrm>
+          <a:prstGeom prst="rect">
+            <a:avLst/>
+          </a:prstGeom>
+          <a:noFill/>
+        </p:spPr>
+        <p:txBody>
+          <a:bodyPr wrap="square" rtlCol="0">
+            <a:spAutoFit/>
+          </a:bodyPr>
+          <a:p>
+            <a:r>
+              <a:rPr lang="es-ES" altLang="en-US" sz="1600">
+                <a:latin typeface="Yu Gothic UI Semibold" panose="020B0700000000000000" charset="-128"/>
+                <a:ea typeface="Yu Gothic UI Semibold" panose="020B0700000000000000" charset="-128"/>
+              </a:rPr>
+              <a:t>Acerca de Mi</a:t>
+            </a:r>
+            <a:endParaRPr lang="es-ES" altLang="en-US" sz="1600">
+              <a:latin typeface="Yu Gothic UI Semibold" panose="020B0700000000000000" charset="-128"/>
+              <a:ea typeface="Yu Gothic UI Semibold" panose="020B0700000000000000" charset="-128"/>
+            </a:endParaRPr>
+          </a:p>
+        </p:txBody>
+      </p:sp>
+      <p:sp>
+        <p:nvSpPr>
+          <p:cNvPr id="10" name="Cuadro de texto 9"/>
+          <p:cNvSpPr txBox="1"/>
+          <p:nvPr/>
+        </p:nvSpPr>
+        <p:spPr>
+          <a:xfrm>
+            <a:off x="11276965" y="480695"/>
+            <a:ext cx="918210" cy="337185"/>
+          </a:xfrm>
+          <a:prstGeom prst="rect">
+            <a:avLst/>
+          </a:prstGeom>
+          <a:noFill/>
+        </p:spPr>
+        <p:txBody>
+          <a:bodyPr wrap="square" rtlCol="0">
+            <a:spAutoFit/>
+          </a:bodyPr>
+          <a:p>
+            <a:r>
+              <a:rPr lang="es-ES" altLang="en-US" sz="1600">
+                <a:latin typeface="Yu Gothic UI Semibold" panose="020B0700000000000000" charset="-128"/>
+                <a:ea typeface="Yu Gothic UI Semibold" panose="020B0700000000000000" charset="-128"/>
+              </a:rPr>
+              <a:t>turnos</a:t>
+            </a:r>
+            <a:endParaRPr lang="es-ES" altLang="en-US" sz="1600">
+              <a:latin typeface="Yu Gothic UI Semibold" panose="020B0700000000000000" charset="-128"/>
+              <a:ea typeface="Yu Gothic UI Semibold" panose="020B0700000000000000" charset="-128"/>
+            </a:endParaRPr>
+          </a:p>
+        </p:txBody>
+      </p:sp>
+      <p:sp>
+        <p:nvSpPr>
+          <p:cNvPr id="11" name="Cuadro de texto 10"/>
+          <p:cNvSpPr txBox="1"/>
+          <p:nvPr/>
+        </p:nvSpPr>
+        <p:spPr>
+          <a:xfrm>
+            <a:off x="10160000" y="480695"/>
+            <a:ext cx="1138555" cy="337185"/>
+          </a:xfrm>
+          <a:prstGeom prst="rect">
+            <a:avLst/>
+          </a:prstGeom>
+          <a:noFill/>
+        </p:spPr>
+        <p:txBody>
+          <a:bodyPr wrap="square" rtlCol="0">
+            <a:spAutoFit/>
+          </a:bodyPr>
+          <a:p>
+            <a:r>
+              <a:rPr lang="es-ES" altLang="en-US" sz="1600">
+                <a:latin typeface="Yu Gothic UI Semibold" panose="020B0700000000000000" charset="-128"/>
+                <a:ea typeface="Yu Gothic UI Semibold" panose="020B0700000000000000" charset="-128"/>
+              </a:rPr>
+              <a:t>Contacto</a:t>
+            </a:r>
+            <a:endParaRPr lang="es-ES" altLang="en-US" sz="1600">
+              <a:latin typeface="Yu Gothic UI Semibold" panose="020B0700000000000000" charset="-128"/>
+              <a:ea typeface="Yu Gothic UI Semibold" panose="020B0700000000000000" charset="-128"/>
+            </a:endParaRPr>
+          </a:p>
+        </p:txBody>
+      </p:sp>
+      <p:sp>
+        <p:nvSpPr>
+          <p:cNvPr id="12" name="Cuadro de texto 11"/>
+          <p:cNvSpPr txBox="1"/>
+          <p:nvPr/>
+        </p:nvSpPr>
+        <p:spPr>
+          <a:xfrm>
+            <a:off x="6234430" y="480695"/>
+            <a:ext cx="774700" cy="337185"/>
+          </a:xfrm>
+          <a:prstGeom prst="rect">
+            <a:avLst/>
+          </a:prstGeom>
+          <a:noFill/>
+        </p:spPr>
+        <p:txBody>
+          <a:bodyPr wrap="square" rtlCol="0">
+            <a:spAutoFit/>
+          </a:bodyPr>
+          <a:p>
+            <a:r>
+              <a:rPr lang="es-ES" altLang="en-US" sz="1600">
+                <a:latin typeface="Yu Gothic UI Semibold" panose="020B0700000000000000" charset="-128"/>
+                <a:ea typeface="Yu Gothic UI Semibold" panose="020B0700000000000000" charset="-128"/>
+              </a:rPr>
+              <a:t>Inicio</a:t>
+            </a:r>
+            <a:endParaRPr lang="es-ES" altLang="en-US" sz="1600">
+              <a:latin typeface="Yu Gothic UI Semibold" panose="020B0700000000000000" charset="-128"/>
+              <a:ea typeface="Yu Gothic UI Semibold" panose="020B0700000000000000" charset="-128"/>
+            </a:endParaRPr>
+          </a:p>
+        </p:txBody>
+      </p:sp>
+      <p:sp>
+        <p:nvSpPr>
+          <p:cNvPr id="14" name="Cuadro de texto 13"/>
+          <p:cNvSpPr txBox="1"/>
+          <p:nvPr/>
+        </p:nvSpPr>
+        <p:spPr>
+          <a:xfrm>
+            <a:off x="7049135" y="480695"/>
+            <a:ext cx="1642110" cy="337185"/>
+          </a:xfrm>
+          <a:prstGeom prst="rect">
+            <a:avLst/>
+          </a:prstGeom>
+          <a:noFill/>
+        </p:spPr>
+        <p:txBody>
+          <a:bodyPr wrap="square" rtlCol="0">
+            <a:spAutoFit/>
+          </a:bodyPr>
+          <a:p>
+            <a:r>
+              <a:rPr lang="es-ES" altLang="en-US" sz="1600">
+                <a:latin typeface="Yu Gothic UI Semibold" panose="020B0700000000000000" charset="-128"/>
+                <a:ea typeface="Yu Gothic UI Semibold" panose="020B0700000000000000" charset="-128"/>
+              </a:rPr>
+              <a:t>Especialidades</a:t>
+            </a:r>
+            <a:endParaRPr lang="es-ES" altLang="en-US" sz="1600">
+              <a:latin typeface="Yu Gothic UI Semibold" panose="020B0700000000000000" charset="-128"/>
+              <a:ea typeface="Yu Gothic UI Semibold" panose="020B0700000000000000" charset="-128"/>
+            </a:endParaRPr>
+          </a:p>
+        </p:txBody>
+      </p:sp>
+      <p:pic>
+        <p:nvPicPr>
+          <p:cNvPr id="15" name="Imagen 14" descr="logoInstagramnegro20px"/>
+          <p:cNvPicPr>
+            <a:picLocks noChangeAspect="1"/>
+          </p:cNvPicPr>
+          <p:nvPr/>
+        </p:nvPicPr>
+        <p:blipFill>
+          <a:blip r:embed="rId2"/>
+          <a:stretch>
+            <a:fillRect/>
+          </a:stretch>
+        </p:blipFill>
+        <p:spPr>
+          <a:xfrm>
+            <a:off x="11352530" y="93345"/>
+            <a:ext cx="256540" cy="256540"/>
+          </a:xfrm>
+          <a:prstGeom prst="rect">
+            <a:avLst/>
+          </a:prstGeom>
+        </p:spPr>
+      </p:pic>
+      <p:pic>
+        <p:nvPicPr>
+          <p:cNvPr id="16" name="Imagen 15" descr="logoLinkedinnegro24px"/>
+          <p:cNvPicPr>
+            <a:picLocks noChangeAspect="1"/>
+          </p:cNvPicPr>
+          <p:nvPr/>
+        </p:nvPicPr>
+        <p:blipFill>
+          <a:blip r:embed="rId3"/>
+          <a:stretch>
+            <a:fillRect/>
+          </a:stretch>
+        </p:blipFill>
+        <p:spPr>
+          <a:xfrm>
+            <a:off x="10881360" y="102235"/>
+            <a:ext cx="238125" cy="238125"/>
+          </a:xfrm>
+          <a:prstGeom prst="rect">
+            <a:avLst/>
+          </a:prstGeom>
+        </p:spPr>
+      </p:pic>
+      <p:pic>
+        <p:nvPicPr>
+          <p:cNvPr id="17" name="Imagen 16" descr="logoWspNegro24px"/>
+          <p:cNvPicPr>
+            <a:picLocks noChangeAspect="1"/>
+          </p:cNvPicPr>
+          <p:nvPr/>
+        </p:nvPicPr>
+        <p:blipFill>
+          <a:blip r:embed="rId4"/>
+          <a:stretch>
+            <a:fillRect/>
+          </a:stretch>
+        </p:blipFill>
+        <p:spPr>
+          <a:xfrm>
+            <a:off x="11846560" y="80010"/>
+            <a:ext cx="271780" cy="283845"/>
+          </a:xfrm>
+          <a:prstGeom prst="rect">
+            <a:avLst/>
+          </a:prstGeom>
+        </p:spPr>
+      </p:pic>
+      <p:sp>
+        <p:nvSpPr>
+          <p:cNvPr id="3" name="Rectángulo 2"/>
+          <p:cNvSpPr/>
+          <p:nvPr/>
+        </p:nvSpPr>
+        <p:spPr>
+          <a:xfrm>
+            <a:off x="1014730" y="996315"/>
+            <a:ext cx="2880021" cy="4680034"/>
+          </a:xfrm>
+          <a:prstGeom prst="rect">
+            <a:avLst/>
+          </a:prstGeom>
+          <a:solidFill>
+            <a:srgbClr val="D9E3DE">
+              <a:alpha val="58000"/>
+            </a:srgbClr>
+          </a:solidFill>
+          <a:ln>
+            <a:noFill/>
+          </a:ln>
+          <a:effectLst>
+            <a:outerShdw blurRad="88900" dist="139700" dir="3000000" algn="ctr" rotWithShape="0">
+              <a:schemeClr val="tx1">
+                <a:lumMod val="50000"/>
+                <a:lumOff val="50000"/>
+                <a:alpha val="40000"/>
+              </a:schemeClr>
+            </a:outerShdw>
+          </a:effectLst>
+        </p:spPr>
+        <p:style>
+          <a:lnRef idx="2">
+            <a:schemeClr val="accent1">
+              <a:shade val="50000"/>
+            </a:schemeClr>
+          </a:lnRef>
+          <a:fillRef idx="1">
+            <a:schemeClr val="accent1"/>
+          </a:fillRef>
+          <a:effectRef idx="0">
+            <a:schemeClr val="accent1"/>
+          </a:effectRef>
+          <a:fontRef idx="minor">
+            <a:schemeClr val="lt1"/>
+          </a:fontRef>
+        </p:style>
+        <p:txBody>
+          <a:bodyPr rtlCol="0" anchor="ctr"/>
+          <a:p>
+            <a:pPr algn="ctr"/>
+            <a:endParaRPr lang="es-ES" altLang="en-US"/>
+          </a:p>
+        </p:txBody>
+      </p:sp>
+      <p:sp>
+        <p:nvSpPr>
+          <p:cNvPr id="7" name="Rectángulo 6"/>
+          <p:cNvSpPr/>
+          <p:nvPr/>
+        </p:nvSpPr>
+        <p:spPr>
+          <a:xfrm>
+            <a:off x="8397240" y="996315"/>
+            <a:ext cx="2880021" cy="4680034"/>
+          </a:xfrm>
+          <a:prstGeom prst="rect">
+            <a:avLst/>
+          </a:prstGeom>
+          <a:solidFill>
+            <a:srgbClr val="D9E3DE">
+              <a:alpha val="58000"/>
+            </a:srgbClr>
+          </a:solidFill>
+          <a:ln>
+            <a:noFill/>
+          </a:ln>
+          <a:effectLst>
+            <a:outerShdw blurRad="88900" dist="139700" dir="3000000" algn="ctr" rotWithShape="0">
+              <a:schemeClr val="tx1">
+                <a:lumMod val="50000"/>
+                <a:lumOff val="50000"/>
+                <a:alpha val="40000"/>
+              </a:schemeClr>
+            </a:outerShdw>
+          </a:effectLst>
+        </p:spPr>
+        <p:style>
+          <a:lnRef idx="2">
+            <a:schemeClr val="accent1">
+              <a:shade val="50000"/>
+            </a:schemeClr>
+          </a:lnRef>
+          <a:fillRef idx="1">
+            <a:schemeClr val="accent1"/>
+          </a:fillRef>
+          <a:effectRef idx="0">
+            <a:schemeClr val="accent1"/>
+          </a:effectRef>
+          <a:fontRef idx="minor">
+            <a:schemeClr val="lt1"/>
+          </a:fontRef>
+        </p:style>
+        <p:txBody>
+          <a:bodyPr rtlCol="0" anchor="ctr"/>
+          <a:p>
+            <a:pPr algn="ctr"/>
+            <a:endParaRPr lang="en-US"/>
+          </a:p>
+        </p:txBody>
+      </p:sp>
+      <p:sp>
+        <p:nvSpPr>
+          <p:cNvPr id="13" name="Rectángulo 12"/>
+          <p:cNvSpPr/>
+          <p:nvPr/>
+        </p:nvSpPr>
+        <p:spPr>
+          <a:xfrm>
+            <a:off x="4655820" y="996315"/>
+            <a:ext cx="2880021" cy="4680034"/>
+          </a:xfrm>
+          <a:prstGeom prst="rect">
+            <a:avLst/>
+          </a:prstGeom>
+          <a:solidFill>
+            <a:srgbClr val="D9E3DE">
+              <a:alpha val="58000"/>
+            </a:srgbClr>
+          </a:solidFill>
+          <a:ln>
+            <a:noFill/>
+          </a:ln>
+          <a:effectLst>
+            <a:outerShdw blurRad="88900" dist="139700" dir="3000000" algn="ctr" rotWithShape="0">
+              <a:schemeClr val="tx1">
+                <a:lumMod val="50000"/>
+                <a:lumOff val="50000"/>
+                <a:alpha val="40000"/>
+              </a:schemeClr>
+            </a:outerShdw>
+          </a:effectLst>
+        </p:spPr>
+        <p:style>
+          <a:lnRef idx="2">
+            <a:schemeClr val="accent1">
+              <a:shade val="50000"/>
+            </a:schemeClr>
+          </a:lnRef>
+          <a:fillRef idx="1">
+            <a:schemeClr val="accent1"/>
+          </a:fillRef>
+          <a:effectRef idx="0">
+            <a:schemeClr val="accent1"/>
+          </a:effectRef>
+          <a:fontRef idx="minor">
+            <a:schemeClr val="lt1"/>
+          </a:fontRef>
+        </p:style>
+        <p:txBody>
+          <a:bodyPr rtlCol="0" anchor="ctr"/>
+          <a:p>
+            <a:pPr algn="ctr"/>
+            <a:endParaRPr lang="en-US"/>
+          </a:p>
+        </p:txBody>
+      </p:sp>
+      <p:pic>
+        <p:nvPicPr>
+          <p:cNvPr id="19" name="Imagen 18" descr="psicologiaOrganizacional"/>
+          <p:cNvPicPr/>
+          <p:nvPr/>
+        </p:nvPicPr>
+        <p:blipFill>
+          <a:blip r:embed="rId5"/>
+          <a:srcRect l="20746" r="9276"/>
+          <a:stretch>
+            <a:fillRect/>
+          </a:stretch>
+        </p:blipFill>
+        <p:spPr>
+          <a:xfrm>
+            <a:off x="8576945" y="1235075"/>
+            <a:ext cx="2520019" cy="1800013"/>
+          </a:xfrm>
+          <a:prstGeom prst="rect">
+            <a:avLst/>
+          </a:prstGeom>
+        </p:spPr>
+      </p:pic>
+      <p:pic>
+        <p:nvPicPr>
+          <p:cNvPr id="20" name="Imagen 19" descr="psicoterapiaIndividual"/>
+          <p:cNvPicPr/>
+          <p:nvPr/>
+        </p:nvPicPr>
+        <p:blipFill>
+          <a:blip r:embed="rId6"/>
+          <a:srcRect l="32229" r="19628"/>
+          <a:stretch>
+            <a:fillRect/>
+          </a:stretch>
+        </p:blipFill>
+        <p:spPr>
+          <a:xfrm>
+            <a:off x="1193800" y="1235075"/>
+            <a:ext cx="2520019" cy="1800013"/>
+          </a:xfrm>
+          <a:prstGeom prst="rect">
+            <a:avLst/>
+          </a:prstGeom>
+        </p:spPr>
+      </p:pic>
+      <p:pic>
+        <p:nvPicPr>
+          <p:cNvPr id="18" name="Imagen 17" descr="barrasAccess"/>
+          <p:cNvPicPr/>
+          <p:nvPr/>
+        </p:nvPicPr>
+        <p:blipFill>
+          <a:blip r:embed="rId7"/>
+          <a:srcRect l="9457" t="208" r="26042" b="8470"/>
+          <a:stretch>
+            <a:fillRect/>
+          </a:stretch>
+        </p:blipFill>
+        <p:spPr>
+          <a:xfrm>
+            <a:off x="4836160" y="1235075"/>
+            <a:ext cx="2520019" cy="1800013"/>
+          </a:xfrm>
+          <a:prstGeom prst="rect">
+            <a:avLst/>
+          </a:prstGeom>
+        </p:spPr>
+      </p:pic>
+      <p:sp>
+        <p:nvSpPr>
+          <p:cNvPr id="21" name="Cuadro de texto 20"/>
+          <p:cNvSpPr txBox="1"/>
+          <p:nvPr/>
+        </p:nvSpPr>
+        <p:spPr>
+          <a:xfrm>
+            <a:off x="1553210" y="3106420"/>
+            <a:ext cx="1442720" cy="645160"/>
+          </a:xfrm>
+          <a:prstGeom prst="rect">
+            <a:avLst/>
+          </a:prstGeom>
+          <a:noFill/>
+        </p:spPr>
+        <p:txBody>
+          <a:bodyPr wrap="none" rtlCol="0">
+            <a:spAutoFit/>
+          </a:bodyPr>
+          <a:p>
+            <a:pPr algn="ctr"/>
+            <a:r>
+              <a:rPr lang="es-ES" altLang="en-US">
+                <a:latin typeface="Yu Gothic UI Semibold" panose="020B0700000000000000" charset="-128"/>
+                <a:ea typeface="Yu Gothic UI Semibold" panose="020B0700000000000000" charset="-128"/>
+              </a:rPr>
+              <a:t>Psicoterapia</a:t>
+            </a:r>
+            <a:endParaRPr lang="es-ES" altLang="en-US">
+              <a:latin typeface="Yu Gothic UI Semibold" panose="020B0700000000000000" charset="-128"/>
+              <a:ea typeface="Yu Gothic UI Semibold" panose="020B0700000000000000" charset="-128"/>
+            </a:endParaRPr>
+          </a:p>
+          <a:p>
+            <a:pPr algn="ctr"/>
+            <a:r>
+              <a:rPr lang="es-ES" altLang="en-US">
+                <a:latin typeface="Yu Gothic UI Semibold" panose="020B0700000000000000" charset="-128"/>
+                <a:ea typeface="Yu Gothic UI Semibold" panose="020B0700000000000000" charset="-128"/>
+              </a:rPr>
+              <a:t>Individual</a:t>
+            </a:r>
+            <a:endParaRPr lang="es-ES" altLang="en-US">
+              <a:latin typeface="Yu Gothic UI Semibold" panose="020B0700000000000000" charset="-128"/>
+              <a:ea typeface="Yu Gothic UI Semibold" panose="020B0700000000000000" charset="-128"/>
+            </a:endParaRPr>
+          </a:p>
+        </p:txBody>
+      </p:sp>
+      <p:sp>
+        <p:nvSpPr>
+          <p:cNvPr id="22" name="Cuadro de texto 21"/>
+          <p:cNvSpPr txBox="1"/>
+          <p:nvPr/>
+        </p:nvSpPr>
+        <p:spPr>
+          <a:xfrm>
+            <a:off x="8970963" y="3035300"/>
+            <a:ext cx="1731645" cy="645160"/>
+          </a:xfrm>
+          <a:prstGeom prst="rect">
+            <a:avLst/>
+          </a:prstGeom>
+          <a:noFill/>
+        </p:spPr>
+        <p:txBody>
+          <a:bodyPr wrap="none" rtlCol="0">
+            <a:spAutoFit/>
+          </a:bodyPr>
+          <a:p>
+            <a:pPr algn="ctr"/>
+            <a:r>
+              <a:rPr lang="es-ES" altLang="en-US">
+                <a:latin typeface="Yu Gothic UI Semibold" panose="020B0700000000000000" charset="-128"/>
+                <a:ea typeface="Yu Gothic UI Semibold" panose="020B0700000000000000" charset="-128"/>
+              </a:rPr>
+              <a:t>Psicología</a:t>
+            </a:r>
+            <a:endParaRPr lang="es-ES" altLang="en-US">
+              <a:latin typeface="Yu Gothic UI Semibold" panose="020B0700000000000000" charset="-128"/>
+              <a:ea typeface="Yu Gothic UI Semibold" panose="020B0700000000000000" charset="-128"/>
+            </a:endParaRPr>
+          </a:p>
+          <a:p>
+            <a:pPr algn="ctr"/>
+            <a:r>
+              <a:rPr lang="es-ES" altLang="en-US">
+                <a:latin typeface="Yu Gothic UI Semibold" panose="020B0700000000000000" charset="-128"/>
+                <a:ea typeface="Yu Gothic UI Semibold" panose="020B0700000000000000" charset="-128"/>
+              </a:rPr>
+              <a:t>Organizacional</a:t>
+            </a:r>
+            <a:endParaRPr lang="es-ES" altLang="en-US">
+              <a:latin typeface="Yu Gothic UI Semibold" panose="020B0700000000000000" charset="-128"/>
+              <a:ea typeface="Yu Gothic UI Semibold" panose="020B0700000000000000" charset="-128"/>
+            </a:endParaRPr>
+          </a:p>
+        </p:txBody>
+      </p:sp>
+      <p:sp>
+        <p:nvSpPr>
+          <p:cNvPr id="23" name="Cuadro de texto 22"/>
+          <p:cNvSpPr txBox="1"/>
+          <p:nvPr/>
+        </p:nvSpPr>
+        <p:spPr>
+          <a:xfrm>
+            <a:off x="5500370" y="3100705"/>
+            <a:ext cx="1191260" cy="645160"/>
+          </a:xfrm>
+          <a:prstGeom prst="rect">
+            <a:avLst/>
+          </a:prstGeom>
+          <a:noFill/>
+        </p:spPr>
+        <p:txBody>
+          <a:bodyPr wrap="none" rtlCol="0">
+            <a:spAutoFit/>
+          </a:bodyPr>
+          <a:p>
+            <a:pPr algn="ctr"/>
+            <a:r>
+              <a:rPr lang="es-ES" altLang="en-US">
+                <a:latin typeface="Yu Gothic UI Semibold" panose="020B0700000000000000" charset="-128"/>
+                <a:ea typeface="Yu Gothic UI Semibold" panose="020B0700000000000000" charset="-128"/>
+              </a:rPr>
+              <a:t>Barras</a:t>
+            </a:r>
+            <a:endParaRPr lang="es-ES" altLang="en-US">
+              <a:latin typeface="Yu Gothic UI Semibold" panose="020B0700000000000000" charset="-128"/>
+              <a:ea typeface="Yu Gothic UI Semibold" panose="020B0700000000000000" charset="-128"/>
+            </a:endParaRPr>
+          </a:p>
+          <a:p>
+            <a:pPr algn="ctr"/>
+            <a:r>
+              <a:rPr lang="es-ES" altLang="en-US">
+                <a:latin typeface="Yu Gothic UI Semibold" panose="020B0700000000000000" charset="-128"/>
+                <a:ea typeface="Yu Gothic UI Semibold" panose="020B0700000000000000" charset="-128"/>
+              </a:rPr>
+              <a:t>de Access</a:t>
+            </a:r>
+            <a:endParaRPr lang="es-ES" altLang="en-US">
+              <a:latin typeface="Yu Gothic UI Semibold" panose="020B0700000000000000" charset="-128"/>
+              <a:ea typeface="Yu Gothic UI Semibold" panose="020B0700000000000000" charset="-128"/>
+            </a:endParaRPr>
+          </a:p>
+        </p:txBody>
+      </p:sp>
+      <p:sp>
+        <p:nvSpPr>
+          <p:cNvPr id="24" name="Rectángulo redondeado 23"/>
+          <p:cNvSpPr/>
+          <p:nvPr/>
+        </p:nvSpPr>
+        <p:spPr>
+          <a:xfrm>
+            <a:off x="1617980" y="5013325"/>
+            <a:ext cx="1313815" cy="444500"/>
+          </a:xfrm>
+          <a:prstGeom prst="roundRect">
+            <a:avLst/>
+          </a:prstGeom>
+          <a:solidFill>
+            <a:srgbClr val="CDB9B9"/>
+          </a:solidFill>
+          <a:ln>
+            <a:noFill/>
+          </a:ln>
+        </p:spPr>
+        <p:style>
+          <a:lnRef idx="2">
+            <a:schemeClr val="accent1">
+              <a:shade val="50000"/>
+            </a:schemeClr>
+          </a:lnRef>
+          <a:fillRef idx="1">
+            <a:schemeClr val="accent1"/>
+          </a:fillRef>
+          <a:effectRef idx="0">
+            <a:schemeClr val="accent1"/>
+          </a:effectRef>
+          <a:fontRef idx="minor">
+            <a:schemeClr val="lt1"/>
+          </a:fontRef>
+        </p:style>
+        <p:txBody>
+          <a:bodyPr rtlCol="0" anchor="ctr"/>
+          <a:p>
+            <a:pPr algn="ctr"/>
+            <a:r>
+              <a:rPr lang="es-ES" altLang="en-US" sz="1400" b="1">
+                <a:solidFill>
+                  <a:schemeClr val="tx1"/>
+                </a:solidFill>
+              </a:rPr>
+              <a:t>Conocé Más...</a:t>
+            </a:r>
+            <a:endParaRPr lang="es-ES" altLang="en-US" sz="1400" b="1">
+              <a:solidFill>
+                <a:schemeClr val="tx1"/>
+              </a:solidFill>
+            </a:endParaRPr>
+          </a:p>
+        </p:txBody>
+      </p:sp>
+      <p:sp>
+        <p:nvSpPr>
+          <p:cNvPr id="25" name="Rectángulo redondeado 24"/>
+          <p:cNvSpPr/>
+          <p:nvPr/>
+        </p:nvSpPr>
+        <p:spPr>
+          <a:xfrm>
+            <a:off x="9179560" y="5013325"/>
+            <a:ext cx="1313815" cy="444500"/>
+          </a:xfrm>
+          <a:prstGeom prst="roundRect">
+            <a:avLst/>
+          </a:prstGeom>
+          <a:solidFill>
+            <a:srgbClr val="CDB9B9"/>
+          </a:solidFill>
+          <a:ln>
+            <a:noFill/>
+          </a:ln>
+        </p:spPr>
+        <p:style>
+          <a:lnRef idx="2">
+            <a:schemeClr val="accent1">
+              <a:shade val="50000"/>
+            </a:schemeClr>
+          </a:lnRef>
+          <a:fillRef idx="1">
+            <a:schemeClr val="accent1"/>
+          </a:fillRef>
+          <a:effectRef idx="0">
+            <a:schemeClr val="accent1"/>
+          </a:effectRef>
+          <a:fontRef idx="minor">
+            <a:schemeClr val="lt1"/>
+          </a:fontRef>
+        </p:style>
+        <p:txBody>
+          <a:bodyPr rtlCol="0" anchor="ctr"/>
+          <a:p>
+            <a:pPr algn="ctr"/>
+            <a:r>
+              <a:rPr lang="es-ES" altLang="en-US" sz="1400" b="1">
+                <a:solidFill>
+                  <a:schemeClr val="tx1"/>
+                </a:solidFill>
+              </a:rPr>
+              <a:t>Conocé Más...</a:t>
+            </a:r>
+            <a:endParaRPr lang="es-ES" altLang="en-US" sz="1400" b="1">
+              <a:solidFill>
+                <a:schemeClr val="tx1"/>
+              </a:solidFill>
+            </a:endParaRPr>
+          </a:p>
+        </p:txBody>
+      </p:sp>
+      <p:sp>
+        <p:nvSpPr>
+          <p:cNvPr id="26" name="Rectángulo redondeado 25"/>
+          <p:cNvSpPr/>
+          <p:nvPr/>
+        </p:nvSpPr>
+        <p:spPr>
+          <a:xfrm>
+            <a:off x="5439410" y="5013325"/>
+            <a:ext cx="1313815" cy="444500"/>
+          </a:xfrm>
+          <a:prstGeom prst="roundRect">
+            <a:avLst/>
+          </a:prstGeom>
+          <a:solidFill>
+            <a:srgbClr val="CDB9B9"/>
+          </a:solidFill>
+          <a:ln>
+            <a:noFill/>
+          </a:ln>
+        </p:spPr>
+        <p:style>
+          <a:lnRef idx="2">
+            <a:schemeClr val="accent1">
+              <a:shade val="50000"/>
+            </a:schemeClr>
+          </a:lnRef>
+          <a:fillRef idx="1">
+            <a:schemeClr val="accent1"/>
+          </a:fillRef>
+          <a:effectRef idx="0">
+            <a:schemeClr val="accent1"/>
+          </a:effectRef>
+          <a:fontRef idx="minor">
+            <a:schemeClr val="lt1"/>
+          </a:fontRef>
+        </p:style>
+        <p:txBody>
+          <a:bodyPr rtlCol="0" anchor="ctr"/>
+          <a:p>
+            <a:pPr algn="ctr"/>
+            <a:r>
+              <a:rPr lang="es-ES" altLang="en-US" sz="1400" b="1">
+                <a:solidFill>
+                  <a:schemeClr val="tx1"/>
+                </a:solidFill>
+              </a:rPr>
+              <a:t>Conocé Más...</a:t>
+            </a:r>
+            <a:endParaRPr lang="es-ES" altLang="en-US" sz="1400" b="1">
+              <a:solidFill>
+                <a:schemeClr val="tx1"/>
+              </a:solidFill>
+            </a:endParaRPr>
+          </a:p>
+        </p:txBody>
+      </p:sp>
+      <p:sp>
+        <p:nvSpPr>
+          <p:cNvPr id="27" name="Cuadro de texto 26"/>
+          <p:cNvSpPr txBox="1"/>
+          <p:nvPr/>
+        </p:nvSpPr>
+        <p:spPr>
+          <a:xfrm>
+            <a:off x="4834890" y="3947795"/>
+            <a:ext cx="2520315" cy="645160"/>
+          </a:xfrm>
+          <a:prstGeom prst="rect">
+            <a:avLst/>
+          </a:prstGeom>
+          <a:noFill/>
+        </p:spPr>
+        <p:txBody>
+          <a:bodyPr wrap="square" rtlCol="0">
+            <a:spAutoFit/>
+          </a:bodyPr>
+          <a:p>
+            <a:pPr algn="ctr"/>
+            <a:r>
+              <a:rPr lang="en-US"/>
+              <a:t>“</a:t>
+            </a:r>
+            <a:r>
+              <a:rPr lang="es-ES" altLang="en-US"/>
+              <a:t>C</a:t>
+            </a:r>
+            <a:r>
+              <a:rPr lang="en-US"/>
+              <a:t>re</a:t>
+            </a:r>
+            <a:r>
+              <a:rPr lang="es-ES" altLang="en-US"/>
+              <a:t>á</a:t>
+            </a:r>
+            <a:r>
+              <a:rPr lang="en-US"/>
+              <a:t> cambios en </a:t>
+            </a:r>
+            <a:r>
+              <a:rPr lang="es-ES" altLang="en-US"/>
+              <a:t>t</a:t>
+            </a:r>
+            <a:r>
+              <a:rPr lang="en-US"/>
+              <a:t>u vida a nivel emocional</a:t>
+            </a:r>
+            <a:r>
+              <a:rPr lang="es-ES" altLang="en-US"/>
+              <a:t>...</a:t>
+            </a:r>
+            <a:r>
+              <a:rPr lang="en-US"/>
+              <a:t>”</a:t>
+            </a:r>
+            <a:endParaRPr lang="en-US"/>
+          </a:p>
+        </p:txBody>
+      </p:sp>
+      <p:sp>
+        <p:nvSpPr>
+          <p:cNvPr id="28" name="Cuadro de texto 27"/>
+          <p:cNvSpPr txBox="1"/>
+          <p:nvPr/>
+        </p:nvSpPr>
+        <p:spPr>
+          <a:xfrm>
+            <a:off x="1014730" y="3947795"/>
+            <a:ext cx="2520315" cy="645160"/>
+          </a:xfrm>
+          <a:prstGeom prst="rect">
+            <a:avLst/>
+          </a:prstGeom>
+          <a:noFill/>
+        </p:spPr>
+        <p:txBody>
+          <a:bodyPr wrap="square" rtlCol="0">
+            <a:spAutoFit/>
+          </a:bodyPr>
+          <a:p>
+            <a:pPr algn="ctr"/>
+            <a:r>
+              <a:rPr lang="es-ES"/>
+              <a:t>“</a:t>
+            </a:r>
+            <a:r>
+              <a:t>Un </a:t>
+            </a:r>
+            <a:r>
+              <a:rPr lang="es-ES"/>
+              <a:t>e</a:t>
+            </a:r>
+            <a:r>
+              <a:t>spacio </a:t>
+            </a:r>
+            <a:r>
+              <a:rPr lang="es-ES"/>
+              <a:t>d</a:t>
+            </a:r>
+            <a:r>
+              <a:t>iferente </a:t>
+            </a:r>
+            <a:r>
+              <a:rPr lang="es-ES"/>
+              <a:t>p</a:t>
+            </a:r>
+            <a:r>
+              <a:t>ara </a:t>
+            </a:r>
+            <a:r>
+              <a:rPr lang="es-ES"/>
+              <a:t>t</a:t>
+            </a:r>
+            <a:r>
+              <a:t>us </a:t>
+            </a:r>
+            <a:r>
+              <a:rPr lang="es-ES"/>
+              <a:t>e</a:t>
+            </a:r>
+            <a:r>
+              <a:t>mociones</a:t>
+            </a:r>
+            <a:r>
+              <a:rPr lang="es-ES"/>
+              <a:t>...”</a:t>
+            </a:r>
+            <a:endParaRPr lang="es-ES"/>
+          </a:p>
+        </p:txBody>
+      </p:sp>
+      <p:sp>
+        <p:nvSpPr>
+          <p:cNvPr id="29" name="Cuadro de texto 28"/>
+          <p:cNvSpPr txBox="1"/>
+          <p:nvPr/>
+        </p:nvSpPr>
+        <p:spPr>
+          <a:xfrm>
+            <a:off x="8440420" y="3691890"/>
+            <a:ext cx="2792730" cy="1198880"/>
+          </a:xfrm>
+          <a:prstGeom prst="rect">
+            <a:avLst/>
+          </a:prstGeom>
+          <a:noFill/>
+        </p:spPr>
+        <p:txBody>
+          <a:bodyPr wrap="square" rtlCol="0">
+            <a:spAutoFit/>
+          </a:bodyPr>
+          <a:p>
+            <a:pPr algn="ctr"/>
+            <a:r>
+              <a:rPr lang="en-US"/>
+              <a:t>“</a:t>
+            </a:r>
+            <a:r>
+              <a:rPr lang="es-ES" altLang="en-US"/>
+              <a:t>Comprendé el </a:t>
+            </a:r>
+            <a:r>
+              <a:t>comportamiento de las personas en una organización</a:t>
+            </a:r>
+            <a:r>
+              <a:rPr lang="en-US"/>
+              <a:t>”</a:t>
+            </a:r>
+            <a:endParaRPr lang="en-US"/>
+          </a:p>
+        </p:txBody>
+      </p:sp>
+      <p:sp>
+        <p:nvSpPr>
+          <p:cNvPr id="30" name="Cuadro de texto 29"/>
+          <p:cNvSpPr txBox="1"/>
+          <p:nvPr/>
+        </p:nvSpPr>
+        <p:spPr>
+          <a:xfrm>
+            <a:off x="147320" y="-32385"/>
             <a:ext cx="2352040" cy="445135"/>
           </a:xfrm>
           <a:prstGeom prst="rect">
@@ -3268,13 +4587,13 @@
       </p:sp>
       <p:sp>
         <p:nvSpPr>
-          <p:cNvPr id="8" name="Cuadro de texto 7"/>
+          <p:cNvPr id="31" name="Cuadro de texto 30"/>
           <p:cNvSpPr txBox="1"/>
           <p:nvPr/>
         </p:nvSpPr>
         <p:spPr>
           <a:xfrm>
-            <a:off x="132080" y="246380"/>
+            <a:off x="132080" y="214630"/>
             <a:ext cx="2367280" cy="645160"/>
           </a:xfrm>
           <a:prstGeom prst="rect">
@@ -3327,253 +4646,6 @@
           </a:p>
         </p:txBody>
       </p:sp>
-      <p:sp>
-        <p:nvSpPr>
-          <p:cNvPr id="9" name="Cuadro de texto 8"/>
-          <p:cNvSpPr txBox="1"/>
-          <p:nvPr/>
-        </p:nvSpPr>
-        <p:spPr>
-          <a:xfrm>
-            <a:off x="8691245" y="480695"/>
-            <a:ext cx="1468755" cy="337185"/>
-          </a:xfrm>
-          <a:prstGeom prst="rect">
-            <a:avLst/>
-          </a:prstGeom>
-          <a:noFill/>
-        </p:spPr>
-        <p:txBody>
-          <a:bodyPr wrap="square" rtlCol="0">
-            <a:spAutoFit/>
-          </a:bodyPr>
-          <a:p>
-            <a:r>
-              <a:rPr lang="es-ES" altLang="en-US" sz="1600">
-                <a:latin typeface="Yu Gothic UI Semibold" panose="020B0700000000000000" charset="-128"/>
-                <a:ea typeface="Yu Gothic UI Semibold" panose="020B0700000000000000" charset="-128"/>
-              </a:rPr>
-              <a:t>Acerca de Mi</a:t>
-            </a:r>
-            <a:endParaRPr lang="es-ES" altLang="en-US" sz="1600">
-              <a:latin typeface="Yu Gothic UI Semibold" panose="020B0700000000000000" charset="-128"/>
-              <a:ea typeface="Yu Gothic UI Semibold" panose="020B0700000000000000" charset="-128"/>
-            </a:endParaRPr>
-          </a:p>
-        </p:txBody>
-      </p:sp>
-      <p:sp>
-        <p:nvSpPr>
-          <p:cNvPr id="10" name="Cuadro de texto 9"/>
-          <p:cNvSpPr txBox="1"/>
-          <p:nvPr/>
-        </p:nvSpPr>
-        <p:spPr>
-          <a:xfrm>
-            <a:off x="11276965" y="480695"/>
-            <a:ext cx="918210" cy="337185"/>
-          </a:xfrm>
-          <a:prstGeom prst="rect">
-            <a:avLst/>
-          </a:prstGeom>
-          <a:noFill/>
-        </p:spPr>
-        <p:txBody>
-          <a:bodyPr wrap="square" rtlCol="0">
-            <a:spAutoFit/>
-          </a:bodyPr>
-          <a:p>
-            <a:r>
-              <a:rPr lang="es-ES" altLang="en-US" sz="1600">
-                <a:latin typeface="Yu Gothic UI Semibold" panose="020B0700000000000000" charset="-128"/>
-                <a:ea typeface="Yu Gothic UI Semibold" panose="020B0700000000000000" charset="-128"/>
-              </a:rPr>
-              <a:t>turnos</a:t>
-            </a:r>
-            <a:endParaRPr lang="es-ES" altLang="en-US" sz="1600">
-              <a:latin typeface="Yu Gothic UI Semibold" panose="020B0700000000000000" charset="-128"/>
-              <a:ea typeface="Yu Gothic UI Semibold" panose="020B0700000000000000" charset="-128"/>
-            </a:endParaRPr>
-          </a:p>
-        </p:txBody>
-      </p:sp>
-      <p:sp>
-        <p:nvSpPr>
-          <p:cNvPr id="11" name="Cuadro de texto 10"/>
-          <p:cNvSpPr txBox="1"/>
-          <p:nvPr/>
-        </p:nvSpPr>
-        <p:spPr>
-          <a:xfrm>
-            <a:off x="10160000" y="480695"/>
-            <a:ext cx="1138555" cy="337185"/>
-          </a:xfrm>
-          <a:prstGeom prst="rect">
-            <a:avLst/>
-          </a:prstGeom>
-          <a:noFill/>
-        </p:spPr>
-        <p:txBody>
-          <a:bodyPr wrap="square" rtlCol="0">
-            <a:spAutoFit/>
-          </a:bodyPr>
-          <a:p>
-            <a:r>
-              <a:rPr lang="es-ES" altLang="en-US" sz="1600">
-                <a:latin typeface="Yu Gothic UI Semibold" panose="020B0700000000000000" charset="-128"/>
-                <a:ea typeface="Yu Gothic UI Semibold" panose="020B0700000000000000" charset="-128"/>
-              </a:rPr>
-              <a:t>Contacto</a:t>
-            </a:r>
-            <a:endParaRPr lang="es-ES" altLang="en-US" sz="1600">
-              <a:latin typeface="Yu Gothic UI Semibold" panose="020B0700000000000000" charset="-128"/>
-              <a:ea typeface="Yu Gothic UI Semibold" panose="020B0700000000000000" charset="-128"/>
-            </a:endParaRPr>
-          </a:p>
-        </p:txBody>
-      </p:sp>
-      <p:sp>
-        <p:nvSpPr>
-          <p:cNvPr id="12" name="Cuadro de texto 11"/>
-          <p:cNvSpPr txBox="1"/>
-          <p:nvPr/>
-        </p:nvSpPr>
-        <p:spPr>
-          <a:xfrm>
-            <a:off x="6234430" y="480695"/>
-            <a:ext cx="774700" cy="337185"/>
-          </a:xfrm>
-          <a:prstGeom prst="rect">
-            <a:avLst/>
-          </a:prstGeom>
-          <a:noFill/>
-        </p:spPr>
-        <p:txBody>
-          <a:bodyPr wrap="square" rtlCol="0">
-            <a:spAutoFit/>
-          </a:bodyPr>
-          <a:p>
-            <a:r>
-              <a:rPr lang="es-ES" altLang="en-US" sz="1600">
-                <a:latin typeface="Yu Gothic UI Semibold" panose="020B0700000000000000" charset="-128"/>
-                <a:ea typeface="Yu Gothic UI Semibold" panose="020B0700000000000000" charset="-128"/>
-              </a:rPr>
-              <a:t>Inicio</a:t>
-            </a:r>
-            <a:endParaRPr lang="es-ES" altLang="en-US" sz="1600">
-              <a:latin typeface="Yu Gothic UI Semibold" panose="020B0700000000000000" charset="-128"/>
-              <a:ea typeface="Yu Gothic UI Semibold" panose="020B0700000000000000" charset="-128"/>
-            </a:endParaRPr>
-          </a:p>
-        </p:txBody>
-      </p:sp>
-      <p:sp>
-        <p:nvSpPr>
-          <p:cNvPr id="14" name="Cuadro de texto 13"/>
-          <p:cNvSpPr txBox="1"/>
-          <p:nvPr/>
-        </p:nvSpPr>
-        <p:spPr>
-          <a:xfrm>
-            <a:off x="7049135" y="480695"/>
-            <a:ext cx="1642110" cy="337185"/>
-          </a:xfrm>
-          <a:prstGeom prst="rect">
-            <a:avLst/>
-          </a:prstGeom>
-          <a:noFill/>
-        </p:spPr>
-        <p:txBody>
-          <a:bodyPr wrap="square" rtlCol="0">
-            <a:spAutoFit/>
-          </a:bodyPr>
-          <a:p>
-            <a:r>
-              <a:rPr lang="es-ES" altLang="en-US" sz="1600">
-                <a:latin typeface="Yu Gothic UI Semibold" panose="020B0700000000000000" charset="-128"/>
-                <a:ea typeface="Yu Gothic UI Semibold" panose="020B0700000000000000" charset="-128"/>
-              </a:rPr>
-              <a:t>Especialidades</a:t>
-            </a:r>
-            <a:endParaRPr lang="es-ES" altLang="en-US" sz="1600">
-              <a:latin typeface="Yu Gothic UI Semibold" panose="020B0700000000000000" charset="-128"/>
-              <a:ea typeface="Yu Gothic UI Semibold" panose="020B0700000000000000" charset="-128"/>
-            </a:endParaRPr>
-          </a:p>
-        </p:txBody>
-      </p:sp>
-      <p:pic>
-        <p:nvPicPr>
-          <p:cNvPr id="15" name="Imagen 14" descr="logoInstagramnegro20px"/>
-          <p:cNvPicPr>
-            <a:picLocks noChangeAspect="1"/>
-          </p:cNvPicPr>
-          <p:nvPr/>
-        </p:nvPicPr>
-        <p:blipFill>
-          <a:blip r:embed="rId3"/>
-          <a:stretch>
-            <a:fillRect/>
-          </a:stretch>
-        </p:blipFill>
-        <p:spPr>
-          <a:xfrm>
-            <a:off x="11352530" y="93345"/>
-            <a:ext cx="256540" cy="256540"/>
-          </a:xfrm>
-          <a:prstGeom prst="rect">
-            <a:avLst/>
-          </a:prstGeom>
-        </p:spPr>
-      </p:pic>
-      <p:pic>
-        <p:nvPicPr>
-          <p:cNvPr id="16" name="Imagen 15" descr="logoLinkedinnegro24px"/>
-          <p:cNvPicPr>
-            <a:picLocks noChangeAspect="1"/>
-          </p:cNvPicPr>
-          <p:nvPr/>
-        </p:nvPicPr>
-        <p:blipFill>
-          <a:blip r:embed="rId4"/>
-          <a:stretch>
-            <a:fillRect/>
-          </a:stretch>
-        </p:blipFill>
-        <p:spPr>
-          <a:xfrm>
-            <a:off x="10881360" y="102235"/>
-            <a:ext cx="238125" cy="238125"/>
-          </a:xfrm>
-          <a:prstGeom prst="rect">
-            <a:avLst/>
-          </a:prstGeom>
-        </p:spPr>
-      </p:pic>
-      <p:pic>
-        <p:nvPicPr>
-          <p:cNvPr id="17" name="Imagen 16" descr="logoWspNegro24px"/>
-          <p:cNvPicPr>
-            <a:picLocks noChangeAspect="1"/>
-          </p:cNvPicPr>
-          <p:nvPr/>
-        </p:nvPicPr>
-        <p:blipFill>
-          <a:blip r:embed="rId5"/>
-          <a:stretch>
-            <a:fillRect/>
-          </a:stretch>
-        </p:blipFill>
-        <p:spPr>
-          <a:xfrm>
-            <a:off x="11846560" y="80010"/>
-            <a:ext cx="271780" cy="283845"/>
-          </a:xfrm>
-          <a:prstGeom prst="rect">
-            <a:avLst/>
-          </a:prstGeom>
-        </p:spPr>
-      </p:pic>
     </p:spTree>
   </p:cSld>
   <p:clrMapOvr>
@@ -3587,12 +4659,11 @@
   <p:cSld>
     <p:bg>
       <p:bgPr>
-        <a:blipFill rotWithShape="1">
-          <a:blip r:embed="rId1"/>
-          <a:stretch>
-            <a:fillRect/>
-          </a:stretch>
-        </a:blipFill>
+        <a:solidFill>
+          <a:srgbClr val="EDD4C1">
+            <a:alpha val="27000"/>
+          </a:srgbClr>
+        </a:solidFill>
         <a:effectLst/>
       </p:bgPr>
     </p:bg>
@@ -3618,7 +4689,7 @@
             <a:avLst/>
           </a:prstGeom>
           <a:blipFill rotWithShape="1">
-            <a:blip r:embed="rId2"/>
+            <a:blip r:embed="rId1"/>
             <a:stretch>
               <a:fillRect/>
             </a:stretch>
@@ -3659,14 +4730,14 @@
         </p:nvSpPr>
         <p:spPr>
           <a:xfrm>
-            <a:off x="-12700" y="6016625"/>
+            <a:off x="-36195" y="6016625"/>
             <a:ext cx="12218035" cy="846455"/>
           </a:xfrm>
           <a:prstGeom prst="rect">
             <a:avLst/>
           </a:prstGeom>
           <a:blipFill rotWithShape="1">
-            <a:blip r:embed="rId2"/>
+            <a:blip r:embed="rId1"/>
             <a:stretch>
               <a:fillRect/>
             </a:stretch>
@@ -3713,13 +4784,260 @@
       </p:sp>
       <p:sp>
         <p:nvSpPr>
-          <p:cNvPr id="6" name="Cuadro de texto 5"/>
+          <p:cNvPr id="9" name="Cuadro de texto 8"/>
           <p:cNvSpPr txBox="1"/>
           <p:nvPr/>
         </p:nvSpPr>
         <p:spPr>
           <a:xfrm>
-            <a:off x="147320" y="-635"/>
+            <a:off x="8691245" y="480695"/>
+            <a:ext cx="1468755" cy="337185"/>
+          </a:xfrm>
+          <a:prstGeom prst="rect">
+            <a:avLst/>
+          </a:prstGeom>
+          <a:noFill/>
+        </p:spPr>
+        <p:txBody>
+          <a:bodyPr wrap="square" rtlCol="0">
+            <a:spAutoFit/>
+          </a:bodyPr>
+          <a:p>
+            <a:r>
+              <a:rPr lang="es-ES" altLang="en-US" sz="1600">
+                <a:latin typeface="Yu Gothic UI Semibold" panose="020B0700000000000000" charset="-128"/>
+                <a:ea typeface="Yu Gothic UI Semibold" panose="020B0700000000000000" charset="-128"/>
+              </a:rPr>
+              <a:t>Acerca de Mi</a:t>
+            </a:r>
+            <a:endParaRPr lang="es-ES" altLang="en-US" sz="1600">
+              <a:latin typeface="Yu Gothic UI Semibold" panose="020B0700000000000000" charset="-128"/>
+              <a:ea typeface="Yu Gothic UI Semibold" panose="020B0700000000000000" charset="-128"/>
+            </a:endParaRPr>
+          </a:p>
+        </p:txBody>
+      </p:sp>
+      <p:sp>
+        <p:nvSpPr>
+          <p:cNvPr id="10" name="Cuadro de texto 9"/>
+          <p:cNvSpPr txBox="1"/>
+          <p:nvPr/>
+        </p:nvSpPr>
+        <p:spPr>
+          <a:xfrm>
+            <a:off x="11276965" y="480695"/>
+            <a:ext cx="918210" cy="337185"/>
+          </a:xfrm>
+          <a:prstGeom prst="rect">
+            <a:avLst/>
+          </a:prstGeom>
+          <a:noFill/>
+        </p:spPr>
+        <p:txBody>
+          <a:bodyPr wrap="square" rtlCol="0">
+            <a:spAutoFit/>
+          </a:bodyPr>
+          <a:p>
+            <a:r>
+              <a:rPr lang="es-ES" altLang="en-US" sz="1600">
+                <a:latin typeface="Yu Gothic UI Semibold" panose="020B0700000000000000" charset="-128"/>
+                <a:ea typeface="Yu Gothic UI Semibold" panose="020B0700000000000000" charset="-128"/>
+              </a:rPr>
+              <a:t>turnos</a:t>
+            </a:r>
+            <a:endParaRPr lang="es-ES" altLang="en-US" sz="1600">
+              <a:latin typeface="Yu Gothic UI Semibold" panose="020B0700000000000000" charset="-128"/>
+              <a:ea typeface="Yu Gothic UI Semibold" panose="020B0700000000000000" charset="-128"/>
+            </a:endParaRPr>
+          </a:p>
+        </p:txBody>
+      </p:sp>
+      <p:sp>
+        <p:nvSpPr>
+          <p:cNvPr id="11" name="Cuadro de texto 10"/>
+          <p:cNvSpPr txBox="1"/>
+          <p:nvPr/>
+        </p:nvSpPr>
+        <p:spPr>
+          <a:xfrm>
+            <a:off x="10160000" y="480695"/>
+            <a:ext cx="1138555" cy="337185"/>
+          </a:xfrm>
+          <a:prstGeom prst="rect">
+            <a:avLst/>
+          </a:prstGeom>
+          <a:noFill/>
+        </p:spPr>
+        <p:txBody>
+          <a:bodyPr wrap="square" rtlCol="0">
+            <a:spAutoFit/>
+          </a:bodyPr>
+          <a:p>
+            <a:r>
+              <a:rPr lang="es-ES" altLang="en-US" sz="1600">
+                <a:latin typeface="Yu Gothic UI Semibold" panose="020B0700000000000000" charset="-128"/>
+                <a:ea typeface="Yu Gothic UI Semibold" panose="020B0700000000000000" charset="-128"/>
+              </a:rPr>
+              <a:t>Contacto</a:t>
+            </a:r>
+            <a:endParaRPr lang="es-ES" altLang="en-US" sz="1600">
+              <a:latin typeface="Yu Gothic UI Semibold" panose="020B0700000000000000" charset="-128"/>
+              <a:ea typeface="Yu Gothic UI Semibold" panose="020B0700000000000000" charset="-128"/>
+            </a:endParaRPr>
+          </a:p>
+        </p:txBody>
+      </p:sp>
+      <p:sp>
+        <p:nvSpPr>
+          <p:cNvPr id="12" name="Cuadro de texto 11"/>
+          <p:cNvSpPr txBox="1"/>
+          <p:nvPr/>
+        </p:nvSpPr>
+        <p:spPr>
+          <a:xfrm>
+            <a:off x="6234430" y="480695"/>
+            <a:ext cx="774700" cy="337185"/>
+          </a:xfrm>
+          <a:prstGeom prst="rect">
+            <a:avLst/>
+          </a:prstGeom>
+          <a:noFill/>
+        </p:spPr>
+        <p:txBody>
+          <a:bodyPr wrap="square" rtlCol="0">
+            <a:spAutoFit/>
+          </a:bodyPr>
+          <a:p>
+            <a:r>
+              <a:rPr lang="es-ES" altLang="en-US" sz="1600">
+                <a:latin typeface="Yu Gothic UI Semibold" panose="020B0700000000000000" charset="-128"/>
+                <a:ea typeface="Yu Gothic UI Semibold" panose="020B0700000000000000" charset="-128"/>
+              </a:rPr>
+              <a:t>Inicio</a:t>
+            </a:r>
+            <a:endParaRPr lang="es-ES" altLang="en-US" sz="1600">
+              <a:latin typeface="Yu Gothic UI Semibold" panose="020B0700000000000000" charset="-128"/>
+              <a:ea typeface="Yu Gothic UI Semibold" panose="020B0700000000000000" charset="-128"/>
+            </a:endParaRPr>
+          </a:p>
+        </p:txBody>
+      </p:sp>
+      <p:sp>
+        <p:nvSpPr>
+          <p:cNvPr id="14" name="Cuadro de texto 13"/>
+          <p:cNvSpPr txBox="1"/>
+          <p:nvPr/>
+        </p:nvSpPr>
+        <p:spPr>
+          <a:xfrm>
+            <a:off x="7049135" y="480695"/>
+            <a:ext cx="1642110" cy="337185"/>
+          </a:xfrm>
+          <a:prstGeom prst="rect">
+            <a:avLst/>
+          </a:prstGeom>
+          <a:noFill/>
+        </p:spPr>
+        <p:txBody>
+          <a:bodyPr wrap="square" rtlCol="0">
+            <a:spAutoFit/>
+          </a:bodyPr>
+          <a:p>
+            <a:r>
+              <a:rPr lang="es-ES" altLang="en-US" sz="1600">
+                <a:latin typeface="Yu Gothic UI Semibold" panose="020B0700000000000000" charset="-128"/>
+                <a:ea typeface="Yu Gothic UI Semibold" panose="020B0700000000000000" charset="-128"/>
+              </a:rPr>
+              <a:t>Especialidades</a:t>
+            </a:r>
+            <a:endParaRPr lang="es-ES" altLang="en-US" sz="1600">
+              <a:latin typeface="Yu Gothic UI Semibold" panose="020B0700000000000000" charset="-128"/>
+              <a:ea typeface="Yu Gothic UI Semibold" panose="020B0700000000000000" charset="-128"/>
+            </a:endParaRPr>
+          </a:p>
+        </p:txBody>
+      </p:sp>
+      <p:pic>
+        <p:nvPicPr>
+          <p:cNvPr id="15" name="Imagen 14" descr="logoInstagramnegro20px"/>
+          <p:cNvPicPr>
+            <a:picLocks noChangeAspect="1"/>
+          </p:cNvPicPr>
+          <p:nvPr/>
+        </p:nvPicPr>
+        <p:blipFill>
+          <a:blip r:embed="rId2"/>
+          <a:stretch>
+            <a:fillRect/>
+          </a:stretch>
+        </p:blipFill>
+        <p:spPr>
+          <a:xfrm>
+            <a:off x="11352530" y="93345"/>
+            <a:ext cx="256540" cy="256540"/>
+          </a:xfrm>
+          <a:prstGeom prst="rect">
+            <a:avLst/>
+          </a:prstGeom>
+        </p:spPr>
+      </p:pic>
+      <p:pic>
+        <p:nvPicPr>
+          <p:cNvPr id="16" name="Imagen 15" descr="logoLinkedinnegro24px"/>
+          <p:cNvPicPr>
+            <a:picLocks noChangeAspect="1"/>
+          </p:cNvPicPr>
+          <p:nvPr/>
+        </p:nvPicPr>
+        <p:blipFill>
+          <a:blip r:embed="rId3"/>
+          <a:stretch>
+            <a:fillRect/>
+          </a:stretch>
+        </p:blipFill>
+        <p:spPr>
+          <a:xfrm>
+            <a:off x="10881360" y="102235"/>
+            <a:ext cx="238125" cy="238125"/>
+          </a:xfrm>
+          <a:prstGeom prst="rect">
+            <a:avLst/>
+          </a:prstGeom>
+        </p:spPr>
+      </p:pic>
+      <p:pic>
+        <p:nvPicPr>
+          <p:cNvPr id="17" name="Imagen 16" descr="logoWspNegro24px"/>
+          <p:cNvPicPr>
+            <a:picLocks noChangeAspect="1"/>
+          </p:cNvPicPr>
+          <p:nvPr/>
+        </p:nvPicPr>
+        <p:blipFill>
+          <a:blip r:embed="rId4"/>
+          <a:stretch>
+            <a:fillRect/>
+          </a:stretch>
+        </p:blipFill>
+        <p:spPr>
+          <a:xfrm>
+            <a:off x="11846560" y="80010"/>
+            <a:ext cx="271780" cy="283845"/>
+          </a:xfrm>
+          <a:prstGeom prst="rect">
+            <a:avLst/>
+          </a:prstGeom>
+        </p:spPr>
+      </p:pic>
+      <p:sp>
+        <p:nvSpPr>
+          <p:cNvPr id="7" name="Cuadro de texto 6"/>
+          <p:cNvSpPr txBox="1"/>
+          <p:nvPr/>
+        </p:nvSpPr>
+        <p:spPr>
+          <a:xfrm>
+            <a:off x="147320" y="-32385"/>
             <a:ext cx="2352040" cy="445135"/>
           </a:xfrm>
           <a:prstGeom prst="rect">
@@ -3748,13 +5066,13 @@
       </p:sp>
       <p:sp>
         <p:nvSpPr>
-          <p:cNvPr id="8" name="Cuadro de texto 7"/>
+          <p:cNvPr id="13" name="Cuadro de texto 12"/>
           <p:cNvSpPr txBox="1"/>
           <p:nvPr/>
         </p:nvSpPr>
         <p:spPr>
           <a:xfrm>
-            <a:off x="132080" y="246380"/>
+            <a:off x="132080" y="214630"/>
             <a:ext cx="2367280" cy="645160"/>
           </a:xfrm>
           <a:prstGeom prst="rect">
@@ -3809,14 +5127,70 @@
       </p:sp>
       <p:sp>
         <p:nvSpPr>
-          <p:cNvPr id="9" name="Cuadro de texto 8"/>
+          <p:cNvPr id="19" name="Rectángulo 18"/>
+          <p:cNvSpPr/>
+          <p:nvPr/>
+        </p:nvSpPr>
+        <p:spPr>
+          <a:xfrm>
+            <a:off x="146685" y="860425"/>
+            <a:ext cx="11852275" cy="4909185"/>
+          </a:xfrm>
+          <a:prstGeom prst="rect">
+            <a:avLst/>
+          </a:prstGeom>
+          <a:solidFill>
+            <a:srgbClr val="D9E3DE">
+              <a:alpha val="58000"/>
+            </a:srgbClr>
+          </a:solidFill>
+          <a:ln>
+            <a:noFill/>
+          </a:ln>
+          <a:effectLst>
+            <a:outerShdw blurRad="88900" dist="139700" dir="3000000" algn="ctr" rotWithShape="0">
+              <a:schemeClr val="tx1">
+                <a:lumMod val="50000"/>
+                <a:lumOff val="50000"/>
+                <a:alpha val="40000"/>
+              </a:schemeClr>
+            </a:outerShdw>
+          </a:effectLst>
+        </p:spPr>
+        <p:style>
+          <a:lnRef idx="2">
+            <a:schemeClr val="accent1">
+              <a:shade val="50000"/>
+            </a:schemeClr>
+          </a:lnRef>
+          <a:fillRef idx="1">
+            <a:schemeClr val="accent1"/>
+          </a:fillRef>
+          <a:effectRef idx="0">
+            <a:schemeClr val="accent1"/>
+          </a:effectRef>
+          <a:fontRef idx="minor">
+            <a:schemeClr val="lt1"/>
+          </a:fontRef>
+        </p:style>
+        <p:txBody>
+          <a:bodyPr rtlCol="0" anchor="ctr"/>
+          <a:p>
+            <a:pPr algn="ctr"/>
+            <a:endParaRPr lang="es-ES" altLang="en-US"/>
+          </a:p>
+        </p:txBody>
+      </p:sp>
+      <p:sp>
+        <p:nvSpPr>
+          <p:cNvPr id="3" name="Cuadro de texto 2"/>
           <p:cNvSpPr txBox="1"/>
           <p:nvPr/>
         </p:nvSpPr>
         <p:spPr>
           <a:xfrm>
-            <a:off x="8691245" y="480695"/>
-            <a:ext cx="1468755" cy="337185"/>
+            <a:off x="872490" y="1107440"/>
+            <a:ext cx="2940050" cy="706755"/>
           </a:xfrm>
           <a:prstGeom prst="rect">
             <a:avLst/>
@@ -3829,13 +5203,13 @@
           </a:bodyPr>
           <a:p>
             <a:r>
-              <a:rPr lang="es-ES" altLang="en-US" sz="1600">
+              <a:rPr lang="es-ES" altLang="en-US" sz="4000">
                 <a:latin typeface="Yu Gothic UI Semibold" panose="020B0700000000000000" charset="-128"/>
                 <a:ea typeface="Yu Gothic UI Semibold" panose="020B0700000000000000" charset="-128"/>
               </a:rPr>
-              <a:t>Acerca de Mi</a:t>
-            </a:r>
-            <a:endParaRPr lang="es-ES" altLang="en-US" sz="1600">
+              <a:t>Sobre Mi...</a:t>
+            </a:r>
+            <a:endParaRPr lang="es-ES" altLang="en-US" sz="4000">
               <a:latin typeface="Yu Gothic UI Semibold" panose="020B0700000000000000" charset="-128"/>
               <a:ea typeface="Yu Gothic UI Semibold" panose="020B0700000000000000" charset="-128"/>
             </a:endParaRPr>
@@ -3844,14 +5218,14 @@
       </p:sp>
       <p:sp>
         <p:nvSpPr>
-          <p:cNvPr id="10" name="Cuadro de texto 9"/>
+          <p:cNvPr id="2" name="Cuadro de texto 1"/>
           <p:cNvSpPr txBox="1"/>
           <p:nvPr/>
         </p:nvSpPr>
         <p:spPr>
           <a:xfrm>
-            <a:off x="11276965" y="480695"/>
-            <a:ext cx="918210" cy="337185"/>
+            <a:off x="872490" y="1814195"/>
+            <a:ext cx="10772775" cy="3415030"/>
           </a:xfrm>
           <a:prstGeom prst="rect">
             <a:avLst/>
@@ -3859,201 +5233,39 @@
           <a:noFill/>
         </p:spPr>
         <p:txBody>
-          <a:bodyPr wrap="square" rtlCol="0">
+          <a:bodyPr wrap="square" rtlCol="0" anchor="t">
             <a:spAutoFit/>
           </a:bodyPr>
           <a:p>
-            <a:r>
-              <a:rPr lang="es-ES" altLang="en-US" sz="1600">
-                <a:latin typeface="Yu Gothic UI Semibold" panose="020B0700000000000000" charset="-128"/>
-                <a:ea typeface="Yu Gothic UI Semibold" panose="020B0700000000000000" charset="-128"/>
-              </a:rPr>
-              <a:t>turnos</a:t>
-            </a:r>
-            <a:endParaRPr lang="es-ES" altLang="en-US" sz="1600">
-              <a:latin typeface="Yu Gothic UI Semibold" panose="020B0700000000000000" charset="-128"/>
-              <a:ea typeface="Yu Gothic UI Semibold" panose="020B0700000000000000" charset="-128"/>
-            </a:endParaRPr>
-          </a:p>
-        </p:txBody>
-      </p:sp>
-      <p:sp>
-        <p:nvSpPr>
-          <p:cNvPr id="11" name="Cuadro de texto 10"/>
-          <p:cNvSpPr txBox="1"/>
-          <p:nvPr/>
-        </p:nvSpPr>
-        <p:spPr>
-          <a:xfrm>
-            <a:off x="10160000" y="480695"/>
-            <a:ext cx="1138555" cy="337185"/>
-          </a:xfrm>
-          <a:prstGeom prst="rect">
-            <a:avLst/>
-          </a:prstGeom>
-          <a:noFill/>
-        </p:spPr>
-        <p:txBody>
-          <a:bodyPr wrap="square" rtlCol="0">
-            <a:spAutoFit/>
-          </a:bodyPr>
-          <a:p>
-            <a:r>
-              <a:rPr lang="es-ES" altLang="en-US" sz="1600">
-                <a:latin typeface="Yu Gothic UI Semibold" panose="020B0700000000000000" charset="-128"/>
-                <a:ea typeface="Yu Gothic UI Semibold" panose="020B0700000000000000" charset="-128"/>
-              </a:rPr>
-              <a:t>Contacto</a:t>
-            </a:r>
-            <a:endParaRPr lang="es-ES" altLang="en-US" sz="1600">
-              <a:latin typeface="Yu Gothic UI Semibold" panose="020B0700000000000000" charset="-128"/>
-              <a:ea typeface="Yu Gothic UI Semibold" panose="020B0700000000000000" charset="-128"/>
-            </a:endParaRPr>
-          </a:p>
-        </p:txBody>
-      </p:sp>
-      <p:sp>
-        <p:nvSpPr>
-          <p:cNvPr id="12" name="Cuadro de texto 11"/>
-          <p:cNvSpPr txBox="1"/>
-          <p:nvPr/>
-        </p:nvSpPr>
-        <p:spPr>
-          <a:xfrm>
-            <a:off x="6234430" y="480695"/>
-            <a:ext cx="774700" cy="337185"/>
-          </a:xfrm>
-          <a:prstGeom prst="rect">
-            <a:avLst/>
-          </a:prstGeom>
-          <a:noFill/>
-        </p:spPr>
-        <p:txBody>
-          <a:bodyPr wrap="square" rtlCol="0">
-            <a:spAutoFit/>
-          </a:bodyPr>
-          <a:p>
-            <a:r>
-              <a:rPr lang="es-ES" altLang="en-US" sz="1600">
-                <a:latin typeface="Yu Gothic UI Semibold" panose="020B0700000000000000" charset="-128"/>
-                <a:ea typeface="Yu Gothic UI Semibold" panose="020B0700000000000000" charset="-128"/>
-              </a:rPr>
-              <a:t>Inicio</a:t>
-            </a:r>
-            <a:endParaRPr lang="es-ES" altLang="en-US" sz="1600">
-              <a:latin typeface="Yu Gothic UI Semibold" panose="020B0700000000000000" charset="-128"/>
-              <a:ea typeface="Yu Gothic UI Semibold" panose="020B0700000000000000" charset="-128"/>
-            </a:endParaRPr>
-          </a:p>
-        </p:txBody>
-      </p:sp>
-      <p:sp>
-        <p:nvSpPr>
-          <p:cNvPr id="14" name="Cuadro de texto 13"/>
-          <p:cNvSpPr txBox="1"/>
-          <p:nvPr/>
-        </p:nvSpPr>
-        <p:spPr>
-          <a:xfrm>
-            <a:off x="7049135" y="480695"/>
-            <a:ext cx="1642110" cy="337185"/>
-          </a:xfrm>
-          <a:prstGeom prst="rect">
-            <a:avLst/>
-          </a:prstGeom>
-          <a:noFill/>
-        </p:spPr>
-        <p:txBody>
-          <a:bodyPr wrap="square" rtlCol="0">
-            <a:spAutoFit/>
-          </a:bodyPr>
-          <a:p>
-            <a:r>
-              <a:rPr lang="es-ES" altLang="en-US" sz="1600">
-                <a:latin typeface="Yu Gothic UI Semibold" panose="020B0700000000000000" charset="-128"/>
-                <a:ea typeface="Yu Gothic UI Semibold" panose="020B0700000000000000" charset="-128"/>
-              </a:rPr>
-              <a:t>Especialidades</a:t>
-            </a:r>
-            <a:endParaRPr lang="es-ES" altLang="en-US" sz="1600">
-              <a:latin typeface="Yu Gothic UI Semibold" panose="020B0700000000000000" charset="-128"/>
-              <a:ea typeface="Yu Gothic UI Semibold" panose="020B0700000000000000" charset="-128"/>
-            </a:endParaRPr>
-          </a:p>
-        </p:txBody>
-      </p:sp>
-      <p:pic>
-        <p:nvPicPr>
-          <p:cNvPr id="15" name="Imagen 14" descr="logoInstagramnegro20px"/>
-          <p:cNvPicPr>
-            <a:picLocks noChangeAspect="1"/>
-          </p:cNvPicPr>
-          <p:nvPr/>
-        </p:nvPicPr>
-        <p:blipFill>
-          <a:blip r:embed="rId3"/>
-          <a:stretch>
-            <a:fillRect/>
-          </a:stretch>
-        </p:blipFill>
-        <p:spPr>
-          <a:xfrm>
-            <a:off x="11352530" y="93345"/>
-            <a:ext cx="256540" cy="256540"/>
-          </a:xfrm>
-          <a:prstGeom prst="rect">
-            <a:avLst/>
-          </a:prstGeom>
-        </p:spPr>
-      </p:pic>
-      <p:pic>
-        <p:nvPicPr>
-          <p:cNvPr id="16" name="Imagen 15" descr="logoLinkedinnegro24px"/>
-          <p:cNvPicPr>
-            <a:picLocks noChangeAspect="1"/>
-          </p:cNvPicPr>
-          <p:nvPr/>
-        </p:nvPicPr>
-        <p:blipFill>
-          <a:blip r:embed="rId4"/>
-          <a:stretch>
-            <a:fillRect/>
-          </a:stretch>
-        </p:blipFill>
-        <p:spPr>
-          <a:xfrm>
-            <a:off x="10881360" y="102235"/>
-            <a:ext cx="238125" cy="238125"/>
-          </a:xfrm>
-          <a:prstGeom prst="rect">
-            <a:avLst/>
-          </a:prstGeom>
-        </p:spPr>
-      </p:pic>
-      <p:pic>
-        <p:nvPicPr>
-          <p:cNvPr id="17" name="Imagen 16" descr="logoWspNegro24px"/>
-          <p:cNvPicPr>
-            <a:picLocks noChangeAspect="1"/>
-          </p:cNvPicPr>
-          <p:nvPr/>
-        </p:nvPicPr>
-        <p:blipFill>
-          <a:blip r:embed="rId5"/>
-          <a:stretch>
-            <a:fillRect/>
-          </a:stretch>
-        </p:blipFill>
-        <p:spPr>
-          <a:xfrm>
-            <a:off x="11846560" y="80010"/>
-            <a:ext cx="271780" cy="283845"/>
-          </a:xfrm>
-          <a:prstGeom prst="rect">
-            <a:avLst/>
-          </a:prstGeom>
-        </p:spPr>
-      </p:pic>
+            <a:pPr algn="l"/>
+            <a:r>
+              <a:rPr lang="es-ES" altLang="en-US"/>
+              <a:t>	</a:t>
+            </a:r>
+            <a:r>
+              <a:rPr lang="en-US"/>
+              <a:t>Suspendisse ultrices elit tellus, at lacinia purus rhoncus ac. Ut vitae ex ut nulla lobortis molestie vitae quis ligula. Pellentesque placerat eleifend lacus, imperdiet aliquam metus tincidunt quis. Maecenas nec quam laoreet ligula pharetra elementum. Vestibulum ante ipsum primis in faucibus orci luctus et ultrices posuere cubilia curae; Aliquam lacinia enim a orci facilisis, at elementum turpis dapibus. Sed sodales vestibulum molestie. Sed cursus fringilla magna sed dignissim. Sed ullamcorper nunc sed urna scelerisque faucibus</a:t>
+            </a:r>
+            <a:r>
+              <a:rPr lang="es-ES" altLang="en-US"/>
+              <a:t>.</a:t>
+            </a:r>
+            <a:endParaRPr lang="es-ES" altLang="en-US"/>
+          </a:p>
+          <a:p>
+            <a:pPr algn="l"/>
+            <a:endParaRPr lang="es-ES" altLang="en-US"/>
+          </a:p>
+          <a:p>
+            <a:pPr algn="l"/>
+            <a:r>
+              <a:rPr lang="es-ES" altLang="en-US"/>
+              <a:t>	Ut a purus tellus. Pellentesque scelerisque sapien turpis, auctor blandit nisi eleifend at. Mauris quis gravida eros, at blandit odio. Proin magna risus, imperdiet a neque id, feugiat sodales massa. In hac habitasse platea dictumst. Maecenas fermentum, dolor eu scelerisque ultricies, ligula magna sodales orci, non feugiat lorem ante quis lorem. Nam placerat ut justo non convallis. Integer convallis egestas justo et eleifend. Pellentesque nec urna felis. Curabitur neque tortor, mattis non nisl sit amet, efficitur tristique diam. Nulla ultricies nulla at leo pharetra, non efficitur justo ultrices.</a:t>
+            </a:r>
+            <a:endParaRPr lang="es-ES" altLang="en-US"/>
+          </a:p>
+        </p:txBody>
+      </p:sp>
     </p:spTree>
   </p:cSld>
   <p:clrMapOvr>
@@ -4085,27 +5297,35 @@
       <p:grpSpPr/>
       <p:sp>
         <p:nvSpPr>
-          <p:cNvPr id="4" name="Rectángulo 3"/>
+          <p:cNvPr id="19" name="Rectángulo 18"/>
           <p:cNvSpPr/>
           <p:nvPr/>
         </p:nvSpPr>
         <p:spPr>
           <a:xfrm>
-            <a:off x="-12700" y="-32385"/>
-            <a:ext cx="12218035" cy="846455"/>
-          </a:xfrm>
-          <a:prstGeom prst="rect">
-            <a:avLst/>
-          </a:prstGeom>
-          <a:blipFill rotWithShape="1">
-            <a:blip r:embed="rId2"/>
-            <a:stretch>
-              <a:fillRect/>
-            </a:stretch>
-          </a:blipFill>
+            <a:off x="3398520" y="1267460"/>
+            <a:ext cx="5349240" cy="4279265"/>
+          </a:xfrm>
+          <a:prstGeom prst="rect">
+            <a:avLst/>
+          </a:prstGeom>
+          <a:solidFill>
+            <a:srgbClr val="D9E3DE">
+              <a:alpha val="58000"/>
+            </a:srgbClr>
+          </a:solidFill>
           <a:ln>
             <a:noFill/>
           </a:ln>
+          <a:effectLst>
+            <a:outerShdw blurRad="88900" dist="139700" dir="3000000" algn="ctr" rotWithShape="0">
+              <a:schemeClr val="tx1">
+                <a:lumMod val="50000"/>
+                <a:lumOff val="50000"/>
+                <a:alpha val="40000"/>
+              </a:schemeClr>
+            </a:outerShdw>
+          </a:effectLst>
         </p:spPr>
         <p:style>
           <a:lnRef idx="2">
@@ -4127,19 +5347,19 @@
           <a:bodyPr rtlCol="0" anchor="ctr"/>
           <a:p>
             <a:pPr algn="ctr"/>
-            <a:endParaRPr lang="en-US"/>
-          </a:p>
-        </p:txBody>
-      </p:sp>
-      <p:sp>
-        <p:nvSpPr>
-          <p:cNvPr id="5" name="Rectángulo 4"/>
+            <a:endParaRPr lang="es-ES" altLang="en-US"/>
+          </a:p>
+        </p:txBody>
+      </p:sp>
+      <p:sp>
+        <p:nvSpPr>
+          <p:cNvPr id="4" name="Rectángulo 3"/>
           <p:cNvSpPr/>
           <p:nvPr/>
         </p:nvSpPr>
         <p:spPr>
           <a:xfrm>
-            <a:off x="-12700" y="6016625"/>
+            <a:off x="-12700" y="-32385"/>
             <a:ext cx="12218035" cy="846455"/>
           </a:xfrm>
           <a:prstGeom prst="rect">
@@ -4175,6 +5395,54 @@
           <a:bodyPr rtlCol="0" anchor="ctr"/>
           <a:p>
             <a:pPr algn="ctr"/>
+            <a:endParaRPr lang="en-US"/>
+          </a:p>
+        </p:txBody>
+      </p:sp>
+      <p:sp>
+        <p:nvSpPr>
+          <p:cNvPr id="5" name="Rectángulo 4"/>
+          <p:cNvSpPr/>
+          <p:nvPr/>
+        </p:nvSpPr>
+        <p:spPr>
+          <a:xfrm>
+            <a:off x="-12700" y="6016625"/>
+            <a:ext cx="12218035" cy="846455"/>
+          </a:xfrm>
+          <a:prstGeom prst="rect">
+            <a:avLst/>
+          </a:prstGeom>
+          <a:blipFill rotWithShape="1">
+            <a:blip r:embed="rId2"/>
+            <a:stretch>
+              <a:fillRect/>
+            </a:stretch>
+          </a:blipFill>
+          <a:ln>
+            <a:noFill/>
+          </a:ln>
+        </p:spPr>
+        <p:style>
+          <a:lnRef idx="2">
+            <a:schemeClr val="accent1">
+              <a:shade val="50000"/>
+            </a:schemeClr>
+          </a:lnRef>
+          <a:fillRef idx="1">
+            <a:schemeClr val="accent1"/>
+          </a:fillRef>
+          <a:effectRef idx="0">
+            <a:schemeClr val="accent1"/>
+          </a:effectRef>
+          <a:fontRef idx="minor">
+            <a:schemeClr val="lt1"/>
+          </a:fontRef>
+        </p:style>
+        <p:txBody>
+          <a:bodyPr rtlCol="0" anchor="ctr"/>
+          <a:p>
+            <a:pPr algn="ctr"/>
             <a:r>
               <a:rPr lang="es-ES" altLang="en-US" sz="1400">
                 <a:solidFill>
@@ -4193,13 +5461,260 @@
       </p:sp>
       <p:sp>
         <p:nvSpPr>
-          <p:cNvPr id="6" name="Cuadro de texto 5"/>
+          <p:cNvPr id="9" name="Cuadro de texto 8"/>
           <p:cNvSpPr txBox="1"/>
           <p:nvPr/>
         </p:nvSpPr>
         <p:spPr>
           <a:xfrm>
-            <a:off x="147320" y="-29845"/>
+            <a:off x="8691245" y="480695"/>
+            <a:ext cx="1468755" cy="337185"/>
+          </a:xfrm>
+          <a:prstGeom prst="rect">
+            <a:avLst/>
+          </a:prstGeom>
+          <a:noFill/>
+        </p:spPr>
+        <p:txBody>
+          <a:bodyPr wrap="square" rtlCol="0">
+            <a:spAutoFit/>
+          </a:bodyPr>
+          <a:p>
+            <a:r>
+              <a:rPr lang="es-ES" altLang="en-US" sz="1600">
+                <a:latin typeface="Yu Gothic UI Semibold" panose="020B0700000000000000" charset="-128"/>
+                <a:ea typeface="Yu Gothic UI Semibold" panose="020B0700000000000000" charset="-128"/>
+              </a:rPr>
+              <a:t>Acerca de Mi</a:t>
+            </a:r>
+            <a:endParaRPr lang="es-ES" altLang="en-US" sz="1600">
+              <a:latin typeface="Yu Gothic UI Semibold" panose="020B0700000000000000" charset="-128"/>
+              <a:ea typeface="Yu Gothic UI Semibold" panose="020B0700000000000000" charset="-128"/>
+            </a:endParaRPr>
+          </a:p>
+        </p:txBody>
+      </p:sp>
+      <p:sp>
+        <p:nvSpPr>
+          <p:cNvPr id="10" name="Cuadro de texto 9"/>
+          <p:cNvSpPr txBox="1"/>
+          <p:nvPr/>
+        </p:nvSpPr>
+        <p:spPr>
+          <a:xfrm>
+            <a:off x="11276965" y="480695"/>
+            <a:ext cx="918210" cy="337185"/>
+          </a:xfrm>
+          <a:prstGeom prst="rect">
+            <a:avLst/>
+          </a:prstGeom>
+          <a:noFill/>
+        </p:spPr>
+        <p:txBody>
+          <a:bodyPr wrap="square" rtlCol="0">
+            <a:spAutoFit/>
+          </a:bodyPr>
+          <a:p>
+            <a:r>
+              <a:rPr lang="es-ES" altLang="en-US" sz="1600">
+                <a:latin typeface="Yu Gothic UI Semibold" panose="020B0700000000000000" charset="-128"/>
+                <a:ea typeface="Yu Gothic UI Semibold" panose="020B0700000000000000" charset="-128"/>
+              </a:rPr>
+              <a:t>turnos</a:t>
+            </a:r>
+            <a:endParaRPr lang="es-ES" altLang="en-US" sz="1600">
+              <a:latin typeface="Yu Gothic UI Semibold" panose="020B0700000000000000" charset="-128"/>
+              <a:ea typeface="Yu Gothic UI Semibold" panose="020B0700000000000000" charset="-128"/>
+            </a:endParaRPr>
+          </a:p>
+        </p:txBody>
+      </p:sp>
+      <p:sp>
+        <p:nvSpPr>
+          <p:cNvPr id="11" name="Cuadro de texto 10"/>
+          <p:cNvSpPr txBox="1"/>
+          <p:nvPr/>
+        </p:nvSpPr>
+        <p:spPr>
+          <a:xfrm>
+            <a:off x="10160000" y="480695"/>
+            <a:ext cx="1138555" cy="337185"/>
+          </a:xfrm>
+          <a:prstGeom prst="rect">
+            <a:avLst/>
+          </a:prstGeom>
+          <a:noFill/>
+        </p:spPr>
+        <p:txBody>
+          <a:bodyPr wrap="square" rtlCol="0">
+            <a:spAutoFit/>
+          </a:bodyPr>
+          <a:p>
+            <a:r>
+              <a:rPr lang="es-ES" altLang="en-US" sz="1600">
+                <a:latin typeface="Yu Gothic UI Semibold" panose="020B0700000000000000" charset="-128"/>
+                <a:ea typeface="Yu Gothic UI Semibold" panose="020B0700000000000000" charset="-128"/>
+              </a:rPr>
+              <a:t>Contacto</a:t>
+            </a:r>
+            <a:endParaRPr lang="es-ES" altLang="en-US" sz="1600">
+              <a:latin typeface="Yu Gothic UI Semibold" panose="020B0700000000000000" charset="-128"/>
+              <a:ea typeface="Yu Gothic UI Semibold" panose="020B0700000000000000" charset="-128"/>
+            </a:endParaRPr>
+          </a:p>
+        </p:txBody>
+      </p:sp>
+      <p:sp>
+        <p:nvSpPr>
+          <p:cNvPr id="12" name="Cuadro de texto 11"/>
+          <p:cNvSpPr txBox="1"/>
+          <p:nvPr/>
+        </p:nvSpPr>
+        <p:spPr>
+          <a:xfrm>
+            <a:off x="6234430" y="480695"/>
+            <a:ext cx="774700" cy="337185"/>
+          </a:xfrm>
+          <a:prstGeom prst="rect">
+            <a:avLst/>
+          </a:prstGeom>
+          <a:noFill/>
+        </p:spPr>
+        <p:txBody>
+          <a:bodyPr wrap="square" rtlCol="0">
+            <a:spAutoFit/>
+          </a:bodyPr>
+          <a:p>
+            <a:r>
+              <a:rPr lang="es-ES" altLang="en-US" sz="1600">
+                <a:latin typeface="Yu Gothic UI Semibold" panose="020B0700000000000000" charset="-128"/>
+                <a:ea typeface="Yu Gothic UI Semibold" panose="020B0700000000000000" charset="-128"/>
+              </a:rPr>
+              <a:t>Inicio</a:t>
+            </a:r>
+            <a:endParaRPr lang="es-ES" altLang="en-US" sz="1600">
+              <a:latin typeface="Yu Gothic UI Semibold" panose="020B0700000000000000" charset="-128"/>
+              <a:ea typeface="Yu Gothic UI Semibold" panose="020B0700000000000000" charset="-128"/>
+            </a:endParaRPr>
+          </a:p>
+        </p:txBody>
+      </p:sp>
+      <p:sp>
+        <p:nvSpPr>
+          <p:cNvPr id="14" name="Cuadro de texto 13"/>
+          <p:cNvSpPr txBox="1"/>
+          <p:nvPr/>
+        </p:nvSpPr>
+        <p:spPr>
+          <a:xfrm>
+            <a:off x="7049135" y="480695"/>
+            <a:ext cx="1642110" cy="337185"/>
+          </a:xfrm>
+          <a:prstGeom prst="rect">
+            <a:avLst/>
+          </a:prstGeom>
+          <a:noFill/>
+        </p:spPr>
+        <p:txBody>
+          <a:bodyPr wrap="square" rtlCol="0">
+            <a:spAutoFit/>
+          </a:bodyPr>
+          <a:p>
+            <a:r>
+              <a:rPr lang="es-ES" altLang="en-US" sz="1600">
+                <a:latin typeface="Yu Gothic UI Semibold" panose="020B0700000000000000" charset="-128"/>
+                <a:ea typeface="Yu Gothic UI Semibold" panose="020B0700000000000000" charset="-128"/>
+              </a:rPr>
+              <a:t>Especialidades</a:t>
+            </a:r>
+            <a:endParaRPr lang="es-ES" altLang="en-US" sz="1600">
+              <a:latin typeface="Yu Gothic UI Semibold" panose="020B0700000000000000" charset="-128"/>
+              <a:ea typeface="Yu Gothic UI Semibold" panose="020B0700000000000000" charset="-128"/>
+            </a:endParaRPr>
+          </a:p>
+        </p:txBody>
+      </p:sp>
+      <p:pic>
+        <p:nvPicPr>
+          <p:cNvPr id="15" name="Imagen 14" descr="logoInstagramnegro20px"/>
+          <p:cNvPicPr>
+            <a:picLocks noChangeAspect="1"/>
+          </p:cNvPicPr>
+          <p:nvPr/>
+        </p:nvPicPr>
+        <p:blipFill>
+          <a:blip r:embed="rId3"/>
+          <a:stretch>
+            <a:fillRect/>
+          </a:stretch>
+        </p:blipFill>
+        <p:spPr>
+          <a:xfrm>
+            <a:off x="11352530" y="93345"/>
+            <a:ext cx="256540" cy="256540"/>
+          </a:xfrm>
+          <a:prstGeom prst="rect">
+            <a:avLst/>
+          </a:prstGeom>
+        </p:spPr>
+      </p:pic>
+      <p:pic>
+        <p:nvPicPr>
+          <p:cNvPr id="16" name="Imagen 15" descr="logoLinkedinnegro24px"/>
+          <p:cNvPicPr>
+            <a:picLocks noChangeAspect="1"/>
+          </p:cNvPicPr>
+          <p:nvPr/>
+        </p:nvPicPr>
+        <p:blipFill>
+          <a:blip r:embed="rId4"/>
+          <a:stretch>
+            <a:fillRect/>
+          </a:stretch>
+        </p:blipFill>
+        <p:spPr>
+          <a:xfrm>
+            <a:off x="10881360" y="102235"/>
+            <a:ext cx="238125" cy="238125"/>
+          </a:xfrm>
+          <a:prstGeom prst="rect">
+            <a:avLst/>
+          </a:prstGeom>
+        </p:spPr>
+      </p:pic>
+      <p:pic>
+        <p:nvPicPr>
+          <p:cNvPr id="17" name="Imagen 16" descr="logoWspNegro24px"/>
+          <p:cNvPicPr>
+            <a:picLocks noChangeAspect="1"/>
+          </p:cNvPicPr>
+          <p:nvPr/>
+        </p:nvPicPr>
+        <p:blipFill>
+          <a:blip r:embed="rId5"/>
+          <a:stretch>
+            <a:fillRect/>
+          </a:stretch>
+        </p:blipFill>
+        <p:spPr>
+          <a:xfrm>
+            <a:off x="11846560" y="80010"/>
+            <a:ext cx="271780" cy="283845"/>
+          </a:xfrm>
+          <a:prstGeom prst="rect">
+            <a:avLst/>
+          </a:prstGeom>
+        </p:spPr>
+      </p:pic>
+      <p:sp>
+        <p:nvSpPr>
+          <p:cNvPr id="2" name="Cuadro de texto 1"/>
+          <p:cNvSpPr txBox="1"/>
+          <p:nvPr/>
+        </p:nvSpPr>
+        <p:spPr>
+          <a:xfrm>
+            <a:off x="147320" y="-32385"/>
             <a:ext cx="2352040" cy="445135"/>
           </a:xfrm>
           <a:prstGeom prst="rect">
@@ -4228,13 +5743,13 @@
       </p:sp>
       <p:sp>
         <p:nvSpPr>
-          <p:cNvPr id="8" name="Cuadro de texto 7"/>
+          <p:cNvPr id="3" name="Cuadro de texto 2"/>
           <p:cNvSpPr txBox="1"/>
           <p:nvPr/>
         </p:nvSpPr>
         <p:spPr>
           <a:xfrm>
-            <a:off x="117475" y="202565"/>
+            <a:off x="132080" y="214630"/>
             <a:ext cx="2367280" cy="645160"/>
           </a:xfrm>
           <a:prstGeom prst="rect">
@@ -4289,14 +5804,138 @@
       </p:sp>
       <p:sp>
         <p:nvSpPr>
-          <p:cNvPr id="9" name="Cuadro de texto 8"/>
+          <p:cNvPr id="18" name="Rectángulo 17"/>
+          <p:cNvSpPr/>
+          <p:nvPr/>
+        </p:nvSpPr>
+        <p:spPr>
+          <a:xfrm>
+            <a:off x="3678555" y="3456305"/>
+            <a:ext cx="4789805" cy="1296670"/>
+          </a:xfrm>
+          <a:prstGeom prst="rect">
+            <a:avLst/>
+          </a:prstGeom>
+          <a:solidFill>
+            <a:schemeClr val="bg1"/>
+          </a:solidFill>
+          <a:ln>
+            <a:solidFill>
+              <a:srgbClr val="C16B49"/>
+            </a:solidFill>
+          </a:ln>
+        </p:spPr>
+        <p:style>
+          <a:lnRef idx="2">
+            <a:schemeClr val="accent1">
+              <a:shade val="50000"/>
+            </a:schemeClr>
+          </a:lnRef>
+          <a:fillRef idx="1">
+            <a:schemeClr val="accent1"/>
+          </a:fillRef>
+          <a:effectRef idx="0">
+            <a:schemeClr val="accent1"/>
+          </a:effectRef>
+          <a:fontRef idx="minor">
+            <a:schemeClr val="lt1"/>
+          </a:fontRef>
+        </p:style>
+        <p:txBody>
+          <a:bodyPr rtlCol="0" anchor="t" anchorCtr="0"/>
+          <a:p>
+            <a:pPr algn="l"/>
+            <a:r>
+              <a:rPr lang="es-ES" altLang="en-US">
+                <a:solidFill>
+                  <a:schemeClr val="tx1">
+                    <a:lumMod val="50000"/>
+                    <a:lumOff val="50000"/>
+                  </a:schemeClr>
+                </a:solidFill>
+                <a:sym typeface="+mn-ea"/>
+              </a:rPr>
+              <a:t>Dejame tu consulta...</a:t>
+            </a:r>
+            <a:endParaRPr lang="es-ES" altLang="en-US"/>
+          </a:p>
+        </p:txBody>
+      </p:sp>
+      <p:sp>
+        <p:nvSpPr>
+          <p:cNvPr id="20" name="Rectángulo 19"/>
+          <p:cNvSpPr/>
+          <p:nvPr/>
+        </p:nvSpPr>
+        <p:spPr>
+          <a:xfrm>
+            <a:off x="3700780" y="2107565"/>
+            <a:ext cx="4789805" cy="271780"/>
+          </a:xfrm>
+          <a:prstGeom prst="rect">
+            <a:avLst/>
+          </a:prstGeom>
+          <a:solidFill>
+            <a:schemeClr val="bg1"/>
+          </a:solidFill>
+          <a:ln>
+            <a:solidFill>
+              <a:srgbClr val="C16B49"/>
+            </a:solidFill>
+          </a:ln>
+        </p:spPr>
+        <p:style>
+          <a:lnRef idx="2">
+            <a:schemeClr val="accent1">
+              <a:shade val="50000"/>
+            </a:schemeClr>
+          </a:lnRef>
+          <a:fillRef idx="1">
+            <a:schemeClr val="accent1"/>
+          </a:fillRef>
+          <a:effectRef idx="0">
+            <a:schemeClr val="accent1"/>
+          </a:effectRef>
+          <a:fontRef idx="minor">
+            <a:schemeClr val="lt1"/>
+          </a:fontRef>
+        </p:style>
+        <p:txBody>
+          <a:bodyPr rtlCol="0" anchor="ctr"/>
+          <a:p>
+            <a:pPr algn="l"/>
+            <a:r>
+              <a:rPr lang="es-ES" altLang="en-US">
+                <a:solidFill>
+                  <a:schemeClr val="tx1">
+                    <a:lumMod val="50000"/>
+                    <a:lumOff val="50000"/>
+                  </a:schemeClr>
+                </a:solidFill>
+              </a:rPr>
+              <a:t>Nombre y Apellido</a:t>
+            </a:r>
+            <a:endParaRPr lang="es-ES" altLang="en-US">
+              <a:solidFill>
+                <a:schemeClr val="tx1">
+                  <a:lumMod val="50000"/>
+                  <a:lumOff val="50000"/>
+                </a:schemeClr>
+              </a:solidFill>
+            </a:endParaRPr>
+          </a:p>
+        </p:txBody>
+      </p:sp>
+      <p:sp>
+        <p:nvSpPr>
+          <p:cNvPr id="22" name="Cuadro de texto 21"/>
           <p:cNvSpPr txBox="1"/>
           <p:nvPr/>
         </p:nvSpPr>
         <p:spPr>
           <a:xfrm>
-            <a:off x="8691245" y="480695"/>
-            <a:ext cx="1468755" cy="337185"/>
+            <a:off x="3590925" y="1465580"/>
+            <a:ext cx="3611245" cy="445135"/>
           </a:xfrm>
           <a:prstGeom prst="rect">
             <a:avLst/>
@@ -4309,13 +5948,13 @@
           </a:bodyPr>
           <a:p>
             <a:r>
-              <a:rPr lang="es-ES" altLang="en-US" sz="1600">
+              <a:rPr lang="es-ES" altLang="en-US" sz="2300">
                 <a:latin typeface="Yu Gothic UI Semibold" panose="020B0700000000000000" charset="-128"/>
                 <a:ea typeface="Yu Gothic UI Semibold" panose="020B0700000000000000" charset="-128"/>
               </a:rPr>
-              <a:t>Acerca de Mi</a:t>
-            </a:r>
-            <a:endParaRPr lang="es-ES" altLang="en-US" sz="1600">
+              <a:t>Contacto:</a:t>
+            </a:r>
+            <a:endParaRPr lang="es-ES" altLang="en-US" sz="2300">
               <a:latin typeface="Yu Gothic UI Semibold" panose="020B0700000000000000" charset="-128"/>
               <a:ea typeface="Yu Gothic UI Semibold" panose="020B0700000000000000" charset="-128"/>
             </a:endParaRPr>
@@ -4324,216 +5963,191 @@
       </p:sp>
       <p:sp>
         <p:nvSpPr>
-          <p:cNvPr id="10" name="Cuadro de texto 9"/>
-          <p:cNvSpPr txBox="1"/>
-          <p:nvPr/>
-        </p:nvSpPr>
-        <p:spPr>
-          <a:xfrm>
-            <a:off x="11276965" y="480695"/>
-            <a:ext cx="918210" cy="337185"/>
-          </a:xfrm>
-          <a:prstGeom prst="rect">
-            <a:avLst/>
-          </a:prstGeom>
-          <a:noFill/>
-        </p:spPr>
-        <p:txBody>
-          <a:bodyPr wrap="square" rtlCol="0">
-            <a:spAutoFit/>
-          </a:bodyPr>
-          <a:p>
-            <a:r>
-              <a:rPr lang="es-ES" altLang="en-US" sz="1600">
-                <a:latin typeface="Yu Gothic UI Semibold" panose="020B0700000000000000" charset="-128"/>
-                <a:ea typeface="Yu Gothic UI Semibold" panose="020B0700000000000000" charset="-128"/>
+          <p:cNvPr id="26" name="Rectángulo redondeado 25"/>
+          <p:cNvSpPr/>
+          <p:nvPr/>
+        </p:nvSpPr>
+        <p:spPr>
+          <a:xfrm>
+            <a:off x="7154545" y="4953635"/>
+            <a:ext cx="1313815" cy="444500"/>
+          </a:xfrm>
+          <a:prstGeom prst="roundRect">
+            <a:avLst/>
+          </a:prstGeom>
+          <a:solidFill>
+            <a:srgbClr val="CDB9B9"/>
+          </a:solidFill>
+          <a:ln>
+            <a:noFill/>
+          </a:ln>
+        </p:spPr>
+        <p:style>
+          <a:lnRef idx="2">
+            <a:schemeClr val="accent1">
+              <a:shade val="50000"/>
+            </a:schemeClr>
+          </a:lnRef>
+          <a:fillRef idx="1">
+            <a:schemeClr val="accent1"/>
+          </a:fillRef>
+          <a:effectRef idx="0">
+            <a:schemeClr val="accent1"/>
+          </a:effectRef>
+          <a:fontRef idx="minor">
+            <a:schemeClr val="lt1"/>
+          </a:fontRef>
+        </p:style>
+        <p:txBody>
+          <a:bodyPr rtlCol="0" anchor="ctr"/>
+          <a:p>
+            <a:pPr algn="ctr"/>
+            <a:r>
+              <a:rPr lang="es-ES" altLang="en-US" sz="1400" b="1">
+                <a:solidFill>
+                  <a:schemeClr val="tx1"/>
+                </a:solidFill>
               </a:rPr>
-              <a:t>turnos</a:t>
-            </a:r>
-            <a:endParaRPr lang="es-ES" altLang="en-US" sz="1600">
-              <a:latin typeface="Yu Gothic UI Semibold" panose="020B0700000000000000" charset="-128"/>
-              <a:ea typeface="Yu Gothic UI Semibold" panose="020B0700000000000000" charset="-128"/>
+              <a:t>Enviar</a:t>
+            </a:r>
+            <a:endParaRPr lang="es-ES" altLang="en-US" sz="1400" b="1">
+              <a:solidFill>
+                <a:schemeClr val="tx1"/>
+              </a:solidFill>
             </a:endParaRPr>
           </a:p>
         </p:txBody>
       </p:sp>
       <p:sp>
         <p:nvSpPr>
-          <p:cNvPr id="11" name="Cuadro de texto 10"/>
-          <p:cNvSpPr txBox="1"/>
-          <p:nvPr/>
-        </p:nvSpPr>
-        <p:spPr>
-          <a:xfrm>
-            <a:off x="10160000" y="480695"/>
-            <a:ext cx="1138555" cy="337185"/>
-          </a:xfrm>
-          <a:prstGeom prst="rect">
-            <a:avLst/>
-          </a:prstGeom>
-          <a:noFill/>
-        </p:spPr>
-        <p:txBody>
-          <a:bodyPr wrap="square" rtlCol="0">
-            <a:spAutoFit/>
-          </a:bodyPr>
-          <a:p>
-            <a:r>
-              <a:rPr lang="es-ES" altLang="en-US" sz="1600">
-                <a:latin typeface="Yu Gothic UI Semibold" panose="020B0700000000000000" charset="-128"/>
-                <a:ea typeface="Yu Gothic UI Semibold" panose="020B0700000000000000" charset="-128"/>
+          <p:cNvPr id="23" name="Rectángulo 22"/>
+          <p:cNvSpPr/>
+          <p:nvPr/>
+        </p:nvSpPr>
+        <p:spPr>
+          <a:xfrm>
+            <a:off x="3701415" y="2529205"/>
+            <a:ext cx="4789805" cy="271780"/>
+          </a:xfrm>
+          <a:prstGeom prst="rect">
+            <a:avLst/>
+          </a:prstGeom>
+          <a:solidFill>
+            <a:schemeClr val="bg1"/>
+          </a:solidFill>
+          <a:ln>
+            <a:solidFill>
+              <a:srgbClr val="C16B49"/>
+            </a:solidFill>
+          </a:ln>
+        </p:spPr>
+        <p:style>
+          <a:lnRef idx="2">
+            <a:schemeClr val="accent1">
+              <a:shade val="50000"/>
+            </a:schemeClr>
+          </a:lnRef>
+          <a:fillRef idx="1">
+            <a:schemeClr val="accent1"/>
+          </a:fillRef>
+          <a:effectRef idx="0">
+            <a:schemeClr val="accent1"/>
+          </a:effectRef>
+          <a:fontRef idx="minor">
+            <a:schemeClr val="lt1"/>
+          </a:fontRef>
+        </p:style>
+        <p:txBody>
+          <a:bodyPr rtlCol="0" anchor="ctr"/>
+          <a:p>
+            <a:pPr algn="l"/>
+            <a:r>
+              <a:rPr lang="es-ES" altLang="en-US">
+                <a:solidFill>
+                  <a:schemeClr val="tx1">
+                    <a:lumMod val="50000"/>
+                    <a:lumOff val="50000"/>
+                  </a:schemeClr>
+                </a:solidFill>
               </a:rPr>
-              <a:t>Contacto</a:t>
-            </a:r>
-            <a:endParaRPr lang="es-ES" altLang="en-US" sz="1600">
-              <a:latin typeface="Yu Gothic UI Semibold" panose="020B0700000000000000" charset="-128"/>
-              <a:ea typeface="Yu Gothic UI Semibold" panose="020B0700000000000000" charset="-128"/>
+              <a:t>E-mail</a:t>
+            </a:r>
+            <a:endParaRPr lang="es-ES" altLang="en-US">
+              <a:solidFill>
+                <a:schemeClr val="tx1">
+                  <a:lumMod val="50000"/>
+                  <a:lumOff val="50000"/>
+                </a:schemeClr>
+              </a:solidFill>
             </a:endParaRPr>
           </a:p>
         </p:txBody>
       </p:sp>
       <p:sp>
         <p:nvSpPr>
-          <p:cNvPr id="12" name="Cuadro de texto 11"/>
-          <p:cNvSpPr txBox="1"/>
-          <p:nvPr/>
-        </p:nvSpPr>
-        <p:spPr>
-          <a:xfrm>
-            <a:off x="6234430" y="480695"/>
-            <a:ext cx="774700" cy="337185"/>
-          </a:xfrm>
-          <a:prstGeom prst="rect">
-            <a:avLst/>
-          </a:prstGeom>
-          <a:noFill/>
-        </p:spPr>
-        <p:txBody>
-          <a:bodyPr wrap="square" rtlCol="0">
-            <a:spAutoFit/>
-          </a:bodyPr>
-          <a:p>
-            <a:r>
-              <a:rPr lang="es-ES" altLang="en-US" sz="1600">
-                <a:latin typeface="Yu Gothic UI Semibold" panose="020B0700000000000000" charset="-128"/>
-                <a:ea typeface="Yu Gothic UI Semibold" panose="020B0700000000000000" charset="-128"/>
+          <p:cNvPr id="24" name="Rectángulo 23"/>
+          <p:cNvSpPr/>
+          <p:nvPr/>
+        </p:nvSpPr>
+        <p:spPr>
+          <a:xfrm>
+            <a:off x="3700780" y="2950845"/>
+            <a:ext cx="4789805" cy="271780"/>
+          </a:xfrm>
+          <a:prstGeom prst="rect">
+            <a:avLst/>
+          </a:prstGeom>
+          <a:solidFill>
+            <a:schemeClr val="bg1"/>
+          </a:solidFill>
+          <a:ln>
+            <a:solidFill>
+              <a:srgbClr val="C16B49"/>
+            </a:solidFill>
+          </a:ln>
+        </p:spPr>
+        <p:style>
+          <a:lnRef idx="2">
+            <a:schemeClr val="accent1">
+              <a:shade val="50000"/>
+            </a:schemeClr>
+          </a:lnRef>
+          <a:fillRef idx="1">
+            <a:schemeClr val="accent1"/>
+          </a:fillRef>
+          <a:effectRef idx="0">
+            <a:schemeClr val="accent1"/>
+          </a:effectRef>
+          <a:fontRef idx="minor">
+            <a:schemeClr val="lt1"/>
+          </a:fontRef>
+        </p:style>
+        <p:txBody>
+          <a:bodyPr rtlCol="0" anchor="ctr"/>
+          <a:p>
+            <a:pPr algn="l"/>
+            <a:r>
+              <a:rPr lang="es-ES" altLang="en-US">
+                <a:solidFill>
+                  <a:schemeClr val="tx1">
+                    <a:lumMod val="50000"/>
+                    <a:lumOff val="50000"/>
+                  </a:schemeClr>
+                </a:solidFill>
               </a:rPr>
-              <a:t>Inicio</a:t>
-            </a:r>
-            <a:endParaRPr lang="es-ES" altLang="en-US" sz="1600">
-              <a:latin typeface="Yu Gothic UI Semibold" panose="020B0700000000000000" charset="-128"/>
-              <a:ea typeface="Yu Gothic UI Semibold" panose="020B0700000000000000" charset="-128"/>
+              <a:t>Teléfono</a:t>
+            </a:r>
+            <a:endParaRPr lang="es-ES" altLang="en-US">
+              <a:solidFill>
+                <a:schemeClr val="tx1">
+                  <a:lumMod val="50000"/>
+                  <a:lumOff val="50000"/>
+                </a:schemeClr>
+              </a:solidFill>
             </a:endParaRPr>
           </a:p>
         </p:txBody>
       </p:sp>
-      <p:sp>
-        <p:nvSpPr>
-          <p:cNvPr id="14" name="Cuadro de texto 13"/>
-          <p:cNvSpPr txBox="1"/>
-          <p:nvPr/>
-        </p:nvSpPr>
-        <p:spPr>
-          <a:xfrm>
-            <a:off x="7049135" y="480695"/>
-            <a:ext cx="1642110" cy="337185"/>
-          </a:xfrm>
-          <a:prstGeom prst="rect">
-            <a:avLst/>
-          </a:prstGeom>
-          <a:noFill/>
-        </p:spPr>
-        <p:txBody>
-          <a:bodyPr wrap="square" rtlCol="0">
-            <a:spAutoFit/>
-          </a:bodyPr>
-          <a:p>
-            <a:r>
-              <a:rPr lang="es-ES" altLang="en-US" sz="1600">
-                <a:latin typeface="Yu Gothic UI Semibold" panose="020B0700000000000000" charset="-128"/>
-                <a:ea typeface="Yu Gothic UI Semibold" panose="020B0700000000000000" charset="-128"/>
-              </a:rPr>
-              <a:t>Especialidades</a:t>
-            </a:r>
-            <a:endParaRPr lang="es-ES" altLang="en-US" sz="1600">
-              <a:latin typeface="Yu Gothic UI Semibold" panose="020B0700000000000000" charset="-128"/>
-              <a:ea typeface="Yu Gothic UI Semibold" panose="020B0700000000000000" charset="-128"/>
-            </a:endParaRPr>
-          </a:p>
-        </p:txBody>
-      </p:sp>
-      <p:pic>
-        <p:nvPicPr>
-          <p:cNvPr id="15" name="Imagen 14" descr="logoInstagramnegro20px"/>
-          <p:cNvPicPr>
-            <a:picLocks noChangeAspect="1"/>
-          </p:cNvPicPr>
-          <p:nvPr/>
-        </p:nvPicPr>
-        <p:blipFill>
-          <a:blip r:embed="rId3"/>
-          <a:stretch>
-            <a:fillRect/>
-          </a:stretch>
-        </p:blipFill>
-        <p:spPr>
-          <a:xfrm>
-            <a:off x="11352530" y="93345"/>
-            <a:ext cx="256540" cy="256540"/>
-          </a:xfrm>
-          <a:prstGeom prst="rect">
-            <a:avLst/>
-          </a:prstGeom>
-        </p:spPr>
-      </p:pic>
-      <p:pic>
-        <p:nvPicPr>
-          <p:cNvPr id="16" name="Imagen 15" descr="logoLinkedinnegro24px"/>
-          <p:cNvPicPr>
-            <a:picLocks noChangeAspect="1"/>
-          </p:cNvPicPr>
-          <p:nvPr/>
-        </p:nvPicPr>
-        <p:blipFill>
-          <a:blip r:embed="rId4"/>
-          <a:stretch>
-            <a:fillRect/>
-          </a:stretch>
-        </p:blipFill>
-        <p:spPr>
-          <a:xfrm>
-            <a:off x="10881360" y="102235"/>
-            <a:ext cx="238125" cy="238125"/>
-          </a:xfrm>
-          <a:prstGeom prst="rect">
-            <a:avLst/>
-          </a:prstGeom>
-        </p:spPr>
-      </p:pic>
-      <p:pic>
-        <p:nvPicPr>
-          <p:cNvPr id="17" name="Imagen 16" descr="logoWspNegro24px"/>
-          <p:cNvPicPr>
-            <a:picLocks noChangeAspect="1"/>
-          </p:cNvPicPr>
-          <p:nvPr/>
-        </p:nvPicPr>
-        <p:blipFill>
-          <a:blip r:embed="rId5"/>
-          <a:stretch>
-            <a:fillRect/>
-          </a:stretch>
-        </p:blipFill>
-        <p:spPr>
-          <a:xfrm>
-            <a:off x="11846560" y="80010"/>
-            <a:ext cx="271780" cy="283845"/>
-          </a:xfrm>
-          <a:prstGeom prst="rect">
-            <a:avLst/>
-          </a:prstGeom>
-        </p:spPr>
-      </p:pic>
     </p:spTree>
   </p:cSld>
   <p:clrMapOvr>
@@ -4673,13 +6287,260 @@
       </p:sp>
       <p:sp>
         <p:nvSpPr>
-          <p:cNvPr id="6" name="Cuadro de texto 5"/>
+          <p:cNvPr id="9" name="Cuadro de texto 8"/>
           <p:cNvSpPr txBox="1"/>
           <p:nvPr/>
         </p:nvSpPr>
         <p:spPr>
           <a:xfrm>
-            <a:off x="147320" y="-635"/>
+            <a:off x="8691245" y="480695"/>
+            <a:ext cx="1468755" cy="337185"/>
+          </a:xfrm>
+          <a:prstGeom prst="rect">
+            <a:avLst/>
+          </a:prstGeom>
+          <a:noFill/>
+        </p:spPr>
+        <p:txBody>
+          <a:bodyPr wrap="square" rtlCol="0">
+            <a:spAutoFit/>
+          </a:bodyPr>
+          <a:p>
+            <a:r>
+              <a:rPr lang="es-ES" altLang="en-US" sz="1600">
+                <a:latin typeface="Yu Gothic UI Semibold" panose="020B0700000000000000" charset="-128"/>
+                <a:ea typeface="Yu Gothic UI Semibold" panose="020B0700000000000000" charset="-128"/>
+              </a:rPr>
+              <a:t>Acerca de Mi</a:t>
+            </a:r>
+            <a:endParaRPr lang="es-ES" altLang="en-US" sz="1600">
+              <a:latin typeface="Yu Gothic UI Semibold" panose="020B0700000000000000" charset="-128"/>
+              <a:ea typeface="Yu Gothic UI Semibold" panose="020B0700000000000000" charset="-128"/>
+            </a:endParaRPr>
+          </a:p>
+        </p:txBody>
+      </p:sp>
+      <p:sp>
+        <p:nvSpPr>
+          <p:cNvPr id="10" name="Cuadro de texto 9"/>
+          <p:cNvSpPr txBox="1"/>
+          <p:nvPr/>
+        </p:nvSpPr>
+        <p:spPr>
+          <a:xfrm>
+            <a:off x="11276965" y="480695"/>
+            <a:ext cx="918210" cy="337185"/>
+          </a:xfrm>
+          <a:prstGeom prst="rect">
+            <a:avLst/>
+          </a:prstGeom>
+          <a:noFill/>
+        </p:spPr>
+        <p:txBody>
+          <a:bodyPr wrap="square" rtlCol="0">
+            <a:spAutoFit/>
+          </a:bodyPr>
+          <a:p>
+            <a:r>
+              <a:rPr lang="es-ES" altLang="en-US" sz="1600">
+                <a:latin typeface="Yu Gothic UI Semibold" panose="020B0700000000000000" charset="-128"/>
+                <a:ea typeface="Yu Gothic UI Semibold" panose="020B0700000000000000" charset="-128"/>
+              </a:rPr>
+              <a:t>turnos</a:t>
+            </a:r>
+            <a:endParaRPr lang="es-ES" altLang="en-US" sz="1600">
+              <a:latin typeface="Yu Gothic UI Semibold" panose="020B0700000000000000" charset="-128"/>
+              <a:ea typeface="Yu Gothic UI Semibold" panose="020B0700000000000000" charset="-128"/>
+            </a:endParaRPr>
+          </a:p>
+        </p:txBody>
+      </p:sp>
+      <p:sp>
+        <p:nvSpPr>
+          <p:cNvPr id="11" name="Cuadro de texto 10"/>
+          <p:cNvSpPr txBox="1"/>
+          <p:nvPr/>
+        </p:nvSpPr>
+        <p:spPr>
+          <a:xfrm>
+            <a:off x="10160000" y="480695"/>
+            <a:ext cx="1138555" cy="337185"/>
+          </a:xfrm>
+          <a:prstGeom prst="rect">
+            <a:avLst/>
+          </a:prstGeom>
+          <a:noFill/>
+        </p:spPr>
+        <p:txBody>
+          <a:bodyPr wrap="square" rtlCol="0">
+            <a:spAutoFit/>
+          </a:bodyPr>
+          <a:p>
+            <a:r>
+              <a:rPr lang="es-ES" altLang="en-US" sz="1600">
+                <a:latin typeface="Yu Gothic UI Semibold" panose="020B0700000000000000" charset="-128"/>
+                <a:ea typeface="Yu Gothic UI Semibold" panose="020B0700000000000000" charset="-128"/>
+              </a:rPr>
+              <a:t>Contacto</a:t>
+            </a:r>
+            <a:endParaRPr lang="es-ES" altLang="en-US" sz="1600">
+              <a:latin typeface="Yu Gothic UI Semibold" panose="020B0700000000000000" charset="-128"/>
+              <a:ea typeface="Yu Gothic UI Semibold" panose="020B0700000000000000" charset="-128"/>
+            </a:endParaRPr>
+          </a:p>
+        </p:txBody>
+      </p:sp>
+      <p:sp>
+        <p:nvSpPr>
+          <p:cNvPr id="12" name="Cuadro de texto 11"/>
+          <p:cNvSpPr txBox="1"/>
+          <p:nvPr/>
+        </p:nvSpPr>
+        <p:spPr>
+          <a:xfrm>
+            <a:off x="6234430" y="480695"/>
+            <a:ext cx="774700" cy="337185"/>
+          </a:xfrm>
+          <a:prstGeom prst="rect">
+            <a:avLst/>
+          </a:prstGeom>
+          <a:noFill/>
+        </p:spPr>
+        <p:txBody>
+          <a:bodyPr wrap="square" rtlCol="0">
+            <a:spAutoFit/>
+          </a:bodyPr>
+          <a:p>
+            <a:r>
+              <a:rPr lang="es-ES" altLang="en-US" sz="1600">
+                <a:latin typeface="Yu Gothic UI Semibold" panose="020B0700000000000000" charset="-128"/>
+                <a:ea typeface="Yu Gothic UI Semibold" panose="020B0700000000000000" charset="-128"/>
+              </a:rPr>
+              <a:t>Inicio</a:t>
+            </a:r>
+            <a:endParaRPr lang="es-ES" altLang="en-US" sz="1600">
+              <a:latin typeface="Yu Gothic UI Semibold" panose="020B0700000000000000" charset="-128"/>
+              <a:ea typeface="Yu Gothic UI Semibold" panose="020B0700000000000000" charset="-128"/>
+            </a:endParaRPr>
+          </a:p>
+        </p:txBody>
+      </p:sp>
+      <p:sp>
+        <p:nvSpPr>
+          <p:cNvPr id="14" name="Cuadro de texto 13"/>
+          <p:cNvSpPr txBox="1"/>
+          <p:nvPr/>
+        </p:nvSpPr>
+        <p:spPr>
+          <a:xfrm>
+            <a:off x="7049135" y="480695"/>
+            <a:ext cx="1642110" cy="337185"/>
+          </a:xfrm>
+          <a:prstGeom prst="rect">
+            <a:avLst/>
+          </a:prstGeom>
+          <a:noFill/>
+        </p:spPr>
+        <p:txBody>
+          <a:bodyPr wrap="square" rtlCol="0">
+            <a:spAutoFit/>
+          </a:bodyPr>
+          <a:p>
+            <a:r>
+              <a:rPr lang="es-ES" altLang="en-US" sz="1600">
+                <a:latin typeface="Yu Gothic UI Semibold" panose="020B0700000000000000" charset="-128"/>
+                <a:ea typeface="Yu Gothic UI Semibold" panose="020B0700000000000000" charset="-128"/>
+              </a:rPr>
+              <a:t>Especialidades</a:t>
+            </a:r>
+            <a:endParaRPr lang="es-ES" altLang="en-US" sz="1600">
+              <a:latin typeface="Yu Gothic UI Semibold" panose="020B0700000000000000" charset="-128"/>
+              <a:ea typeface="Yu Gothic UI Semibold" panose="020B0700000000000000" charset="-128"/>
+            </a:endParaRPr>
+          </a:p>
+        </p:txBody>
+      </p:sp>
+      <p:pic>
+        <p:nvPicPr>
+          <p:cNvPr id="15" name="Imagen 14" descr="logoInstagramnegro20px"/>
+          <p:cNvPicPr>
+            <a:picLocks noChangeAspect="1"/>
+          </p:cNvPicPr>
+          <p:nvPr/>
+        </p:nvPicPr>
+        <p:blipFill>
+          <a:blip r:embed="rId3"/>
+          <a:stretch>
+            <a:fillRect/>
+          </a:stretch>
+        </p:blipFill>
+        <p:spPr>
+          <a:xfrm>
+            <a:off x="11352530" y="93345"/>
+            <a:ext cx="256540" cy="256540"/>
+          </a:xfrm>
+          <a:prstGeom prst="rect">
+            <a:avLst/>
+          </a:prstGeom>
+        </p:spPr>
+      </p:pic>
+      <p:pic>
+        <p:nvPicPr>
+          <p:cNvPr id="16" name="Imagen 15" descr="logoLinkedinnegro24px"/>
+          <p:cNvPicPr>
+            <a:picLocks noChangeAspect="1"/>
+          </p:cNvPicPr>
+          <p:nvPr/>
+        </p:nvPicPr>
+        <p:blipFill>
+          <a:blip r:embed="rId4"/>
+          <a:stretch>
+            <a:fillRect/>
+          </a:stretch>
+        </p:blipFill>
+        <p:spPr>
+          <a:xfrm>
+            <a:off x="10881360" y="102235"/>
+            <a:ext cx="238125" cy="238125"/>
+          </a:xfrm>
+          <a:prstGeom prst="rect">
+            <a:avLst/>
+          </a:prstGeom>
+        </p:spPr>
+      </p:pic>
+      <p:pic>
+        <p:nvPicPr>
+          <p:cNvPr id="17" name="Imagen 16" descr="logoWspNegro24px"/>
+          <p:cNvPicPr>
+            <a:picLocks noChangeAspect="1"/>
+          </p:cNvPicPr>
+          <p:nvPr/>
+        </p:nvPicPr>
+        <p:blipFill>
+          <a:blip r:embed="rId5"/>
+          <a:stretch>
+            <a:fillRect/>
+          </a:stretch>
+        </p:blipFill>
+        <p:spPr>
+          <a:xfrm>
+            <a:off x="11846560" y="80010"/>
+            <a:ext cx="271780" cy="283845"/>
+          </a:xfrm>
+          <a:prstGeom prst="rect">
+            <a:avLst/>
+          </a:prstGeom>
+        </p:spPr>
+      </p:pic>
+      <p:sp>
+        <p:nvSpPr>
+          <p:cNvPr id="2" name="Cuadro de texto 1"/>
+          <p:cNvSpPr txBox="1"/>
+          <p:nvPr/>
+        </p:nvSpPr>
+        <p:spPr>
+          <a:xfrm>
+            <a:off x="147320" y="-32385"/>
             <a:ext cx="2352040" cy="445135"/>
           </a:xfrm>
           <a:prstGeom prst="rect">
@@ -4708,13 +6569,13 @@
       </p:sp>
       <p:sp>
         <p:nvSpPr>
-          <p:cNvPr id="8" name="Cuadro de texto 7"/>
+          <p:cNvPr id="3" name="Cuadro de texto 2"/>
           <p:cNvSpPr txBox="1"/>
           <p:nvPr/>
         </p:nvSpPr>
         <p:spPr>
           <a:xfrm>
-            <a:off x="132080" y="246380"/>
+            <a:off x="132080" y="214630"/>
             <a:ext cx="2367280" cy="645160"/>
           </a:xfrm>
           <a:prstGeom prst="rect">
@@ -4769,14 +6630,70 @@
       </p:sp>
       <p:sp>
         <p:nvSpPr>
-          <p:cNvPr id="9" name="Cuadro de texto 8"/>
+          <p:cNvPr id="19" name="Rectángulo 18"/>
+          <p:cNvSpPr/>
+          <p:nvPr/>
+        </p:nvSpPr>
+        <p:spPr>
+          <a:xfrm>
+            <a:off x="4342765" y="1490980"/>
+            <a:ext cx="3507105" cy="3876675"/>
+          </a:xfrm>
+          <a:prstGeom prst="rect">
+            <a:avLst/>
+          </a:prstGeom>
+          <a:solidFill>
+            <a:srgbClr val="D9E3DE">
+              <a:alpha val="58000"/>
+            </a:srgbClr>
+          </a:solidFill>
+          <a:ln>
+            <a:noFill/>
+          </a:ln>
+          <a:effectLst>
+            <a:outerShdw blurRad="88900" dist="139700" dir="3000000" algn="ctr" rotWithShape="0">
+              <a:schemeClr val="tx1">
+                <a:lumMod val="50000"/>
+                <a:lumOff val="50000"/>
+                <a:alpha val="40000"/>
+              </a:schemeClr>
+            </a:outerShdw>
+          </a:effectLst>
+        </p:spPr>
+        <p:style>
+          <a:lnRef idx="2">
+            <a:schemeClr val="accent1">
+              <a:shade val="50000"/>
+            </a:schemeClr>
+          </a:lnRef>
+          <a:fillRef idx="1">
+            <a:schemeClr val="accent1"/>
+          </a:fillRef>
+          <a:effectRef idx="0">
+            <a:schemeClr val="accent1"/>
+          </a:effectRef>
+          <a:fontRef idx="minor">
+            <a:schemeClr val="lt1"/>
+          </a:fontRef>
+        </p:style>
+        <p:txBody>
+          <a:bodyPr rtlCol="0" anchor="ctr"/>
+          <a:p>
+            <a:pPr algn="ctr"/>
+            <a:endParaRPr lang="es-ES" altLang="en-US"/>
+          </a:p>
+        </p:txBody>
+      </p:sp>
+      <p:sp>
+        <p:nvSpPr>
+          <p:cNvPr id="7" name="Cuadro de texto 6"/>
           <p:cNvSpPr txBox="1"/>
           <p:nvPr/>
         </p:nvSpPr>
         <p:spPr>
           <a:xfrm>
-            <a:off x="8691245" y="480695"/>
-            <a:ext cx="1468755" cy="337185"/>
+            <a:off x="4342765" y="1490980"/>
+            <a:ext cx="2940050" cy="706755"/>
           </a:xfrm>
           <a:prstGeom prst="rect">
             <a:avLst/>
@@ -4789,13 +6706,13 @@
           </a:bodyPr>
           <a:p>
             <a:r>
-              <a:rPr lang="es-ES" altLang="en-US" sz="1600">
+              <a:rPr lang="es-ES" altLang="en-US" sz="4000">
                 <a:latin typeface="Yu Gothic UI Semibold" panose="020B0700000000000000" charset="-128"/>
                 <a:ea typeface="Yu Gothic UI Semibold" panose="020B0700000000000000" charset="-128"/>
               </a:rPr>
-              <a:t>Acerca de Mi</a:t>
-            </a:r>
-            <a:endParaRPr lang="es-ES" altLang="en-US" sz="1600">
+              <a:t>Turnos:</a:t>
+            </a:r>
+            <a:endParaRPr lang="es-ES" altLang="en-US" sz="4000">
               <a:latin typeface="Yu Gothic UI Semibold" panose="020B0700000000000000" charset="-128"/>
               <a:ea typeface="Yu Gothic UI Semibold" panose="020B0700000000000000" charset="-128"/>
             </a:endParaRPr>
@@ -4804,14 +6721,48 @@
       </p:sp>
       <p:sp>
         <p:nvSpPr>
-          <p:cNvPr id="10" name="Cuadro de texto 9"/>
+          <p:cNvPr id="13" name="Cuadro de texto 12"/>
           <p:cNvSpPr txBox="1"/>
           <p:nvPr/>
         </p:nvSpPr>
         <p:spPr>
           <a:xfrm>
-            <a:off x="11276965" y="480695"/>
-            <a:ext cx="918210" cy="337185"/>
+            <a:off x="4342130" y="2343150"/>
+            <a:ext cx="3507105" cy="1198880"/>
+          </a:xfrm>
+          <a:prstGeom prst="rect">
+            <a:avLst/>
+          </a:prstGeom>
+          <a:noFill/>
+        </p:spPr>
+        <p:txBody>
+          <a:bodyPr wrap="square" rtlCol="0" anchor="t">
+            <a:spAutoFit/>
+          </a:bodyPr>
+          <a:p>
+            <a:pPr algn="ctr"/>
+            <a:r>
+              <a:rPr lang="es-ES"/>
+              <a:t>Para coordinar un turno comunicate a los siguientes números:</a:t>
+            </a:r>
+            <a:endParaRPr lang="es-ES"/>
+          </a:p>
+          <a:p>
+            <a:pPr algn="l"/>
+            <a:endParaRPr lang="es-ES"/>
+          </a:p>
+        </p:txBody>
+      </p:sp>
+      <p:sp>
+        <p:nvSpPr>
+          <p:cNvPr id="18" name="Cuadro de texto 17"/>
+          <p:cNvSpPr txBox="1"/>
+          <p:nvPr/>
+        </p:nvSpPr>
+        <p:spPr>
+          <a:xfrm>
+            <a:off x="4734560" y="3390900"/>
+            <a:ext cx="3114675" cy="460375"/>
           </a:xfrm>
           <a:prstGeom prst="rect">
             <a:avLst/>
@@ -4823,14 +6774,15 @@
             <a:spAutoFit/>
           </a:bodyPr>
           <a:p>
-            <a:r>
-              <a:rPr lang="es-ES" altLang="en-US" sz="1600">
+            <a:pPr algn="ctr"/>
+            <a:r>
+              <a:rPr lang="es-ES" altLang="en-US" sz="2400">
                 <a:latin typeface="Yu Gothic UI Semibold" panose="020B0700000000000000" charset="-128"/>
                 <a:ea typeface="Yu Gothic UI Semibold" panose="020B0700000000000000" charset="-128"/>
               </a:rPr>
-              <a:t>turnos</a:t>
-            </a:r>
-            <a:endParaRPr lang="es-ES" altLang="en-US" sz="1600">
+              <a:t>+54-9-261 359848</a:t>
+            </a:r>
+            <a:endParaRPr lang="es-ES" altLang="en-US" sz="2400">
               <a:latin typeface="Yu Gothic UI Semibold" panose="020B0700000000000000" charset="-128"/>
               <a:ea typeface="Yu Gothic UI Semibold" panose="020B0700000000000000" charset="-128"/>
             </a:endParaRPr>
@@ -4839,14 +6791,14 @@
       </p:sp>
       <p:sp>
         <p:nvSpPr>
-          <p:cNvPr id="11" name="Cuadro de texto 10"/>
+          <p:cNvPr id="21" name="Cuadro de texto 20"/>
           <p:cNvSpPr txBox="1"/>
           <p:nvPr/>
         </p:nvSpPr>
         <p:spPr>
           <a:xfrm>
-            <a:off x="10160000" y="480695"/>
-            <a:ext cx="1138555" cy="337185"/>
+            <a:off x="4735195" y="3912870"/>
+            <a:ext cx="3114675" cy="460375"/>
           </a:xfrm>
           <a:prstGeom prst="rect">
             <a:avLst/>
@@ -4858,141 +6810,24 @@
             <a:spAutoFit/>
           </a:bodyPr>
           <a:p>
-            <a:r>
-              <a:rPr lang="es-ES" altLang="en-US" sz="1600">
+            <a:pPr algn="ctr"/>
+            <a:r>
+              <a:rPr lang="es-ES" altLang="en-US" sz="2400">
                 <a:latin typeface="Yu Gothic UI Semibold" panose="020B0700000000000000" charset="-128"/>
                 <a:ea typeface="Yu Gothic UI Semibold" panose="020B0700000000000000" charset="-128"/>
               </a:rPr>
-              <a:t>Contacto</a:t>
-            </a:r>
-            <a:endParaRPr lang="es-ES" altLang="en-US" sz="1600">
+              <a:t>+54-9-263 378852</a:t>
+            </a:r>
+            <a:endParaRPr lang="es-ES" altLang="en-US" sz="2400">
               <a:latin typeface="Yu Gothic UI Semibold" panose="020B0700000000000000" charset="-128"/>
               <a:ea typeface="Yu Gothic UI Semibold" panose="020B0700000000000000" charset="-128"/>
             </a:endParaRPr>
           </a:p>
         </p:txBody>
       </p:sp>
-      <p:sp>
-        <p:nvSpPr>
-          <p:cNvPr id="12" name="Cuadro de texto 11"/>
-          <p:cNvSpPr txBox="1"/>
-          <p:nvPr/>
-        </p:nvSpPr>
-        <p:spPr>
-          <a:xfrm>
-            <a:off x="6234430" y="480695"/>
-            <a:ext cx="774700" cy="337185"/>
-          </a:xfrm>
-          <a:prstGeom prst="rect">
-            <a:avLst/>
-          </a:prstGeom>
-          <a:noFill/>
-        </p:spPr>
-        <p:txBody>
-          <a:bodyPr wrap="square" rtlCol="0">
-            <a:spAutoFit/>
-          </a:bodyPr>
-          <a:p>
-            <a:r>
-              <a:rPr lang="es-ES" altLang="en-US" sz="1600">
-                <a:latin typeface="Yu Gothic UI Semibold" panose="020B0700000000000000" charset="-128"/>
-                <a:ea typeface="Yu Gothic UI Semibold" panose="020B0700000000000000" charset="-128"/>
-              </a:rPr>
-              <a:t>Inicio</a:t>
-            </a:r>
-            <a:endParaRPr lang="es-ES" altLang="en-US" sz="1600">
-              <a:latin typeface="Yu Gothic UI Semibold" panose="020B0700000000000000" charset="-128"/>
-              <a:ea typeface="Yu Gothic UI Semibold" panose="020B0700000000000000" charset="-128"/>
-            </a:endParaRPr>
-          </a:p>
-        </p:txBody>
-      </p:sp>
-      <p:sp>
-        <p:nvSpPr>
-          <p:cNvPr id="14" name="Cuadro de texto 13"/>
-          <p:cNvSpPr txBox="1"/>
-          <p:nvPr/>
-        </p:nvSpPr>
-        <p:spPr>
-          <a:xfrm>
-            <a:off x="7049135" y="480695"/>
-            <a:ext cx="1642110" cy="337185"/>
-          </a:xfrm>
-          <a:prstGeom prst="rect">
-            <a:avLst/>
-          </a:prstGeom>
-          <a:noFill/>
-        </p:spPr>
-        <p:txBody>
-          <a:bodyPr wrap="square" rtlCol="0">
-            <a:spAutoFit/>
-          </a:bodyPr>
-          <a:p>
-            <a:r>
-              <a:rPr lang="es-ES" altLang="en-US" sz="1600">
-                <a:latin typeface="Yu Gothic UI Semibold" panose="020B0700000000000000" charset="-128"/>
-                <a:ea typeface="Yu Gothic UI Semibold" panose="020B0700000000000000" charset="-128"/>
-              </a:rPr>
-              <a:t>Especialidades</a:t>
-            </a:r>
-            <a:endParaRPr lang="es-ES" altLang="en-US" sz="1600">
-              <a:latin typeface="Yu Gothic UI Semibold" panose="020B0700000000000000" charset="-128"/>
-              <a:ea typeface="Yu Gothic UI Semibold" panose="020B0700000000000000" charset="-128"/>
-            </a:endParaRPr>
-          </a:p>
-        </p:txBody>
-      </p:sp>
       <p:pic>
         <p:nvPicPr>
-          <p:cNvPr id="15" name="Imagen 14" descr="logoInstagramnegro20px"/>
-          <p:cNvPicPr>
-            <a:picLocks noChangeAspect="1"/>
-          </p:cNvPicPr>
-          <p:nvPr/>
-        </p:nvPicPr>
-        <p:blipFill>
-          <a:blip r:embed="rId3"/>
-          <a:stretch>
-            <a:fillRect/>
-          </a:stretch>
-        </p:blipFill>
-        <p:spPr>
-          <a:xfrm>
-            <a:off x="11352530" y="93345"/>
-            <a:ext cx="256540" cy="256540"/>
-          </a:xfrm>
-          <a:prstGeom prst="rect">
-            <a:avLst/>
-          </a:prstGeom>
-        </p:spPr>
-      </p:pic>
-      <p:pic>
-        <p:nvPicPr>
-          <p:cNvPr id="16" name="Imagen 15" descr="logoLinkedinnegro24px"/>
-          <p:cNvPicPr>
-            <a:picLocks noChangeAspect="1"/>
-          </p:cNvPicPr>
-          <p:nvPr/>
-        </p:nvPicPr>
-        <p:blipFill>
-          <a:blip r:embed="rId4"/>
-          <a:stretch>
-            <a:fillRect/>
-          </a:stretch>
-        </p:blipFill>
-        <p:spPr>
-          <a:xfrm>
-            <a:off x="10881360" y="102235"/>
-            <a:ext cx="238125" cy="238125"/>
-          </a:xfrm>
-          <a:prstGeom prst="rect">
-            <a:avLst/>
-          </a:prstGeom>
-        </p:spPr>
-      </p:pic>
-      <p:pic>
-        <p:nvPicPr>
-          <p:cNvPr id="17" name="Imagen 16" descr="logoWspNegro24px"/>
+          <p:cNvPr id="22" name="Imagen 21" descr="logoWspNegro24px"/>
           <p:cNvPicPr>
             <a:picLocks noChangeAspect="1"/>
           </p:cNvPicPr>
@@ -5006,7 +6841,7 @@
         </p:blipFill>
         <p:spPr>
           <a:xfrm>
-            <a:off x="11846560" y="80010"/>
+            <a:off x="4734560" y="3479165"/>
             <a:ext cx="271780" cy="283845"/>
           </a:xfrm>
           <a:prstGeom prst="rect">
@@ -5014,44 +6849,24 @@
           </a:prstGeom>
         </p:spPr>
       </p:pic>
-    </p:spTree>
-  </p:cSld>
-  <p:clrMapOvr>
-    <a:masterClrMapping/>
-  </p:clrMapOvr>
-</p:sld>
-</file>
-
-<file path=ppt/slides/slide6.xml><?xml version="1.0" encoding="utf-8"?>
-<p:sld xmlns:a="http://schemas.openxmlformats.org/drawingml/2006/main" xmlns:r="http://schemas.openxmlformats.org/officeDocument/2006/relationships" xmlns:p="http://schemas.openxmlformats.org/presentationml/2006/main">
-  <p:cSld>
-    <p:spTree>
-      <p:nvGrpSpPr>
-        <p:cNvPr id="1" name=""/>
-        <p:cNvGrpSpPr/>
-        <p:nvPr/>
-      </p:nvGrpSpPr>
-      <p:grpSpPr/>
       <p:pic>
         <p:nvPicPr>
-          <p:cNvPr id="4" name="Marcador de posición de contenido 3"/>
+          <p:cNvPr id="23" name="Imagen 22" descr="logoWspNegro24px"/>
           <p:cNvPicPr>
             <a:picLocks noChangeAspect="1"/>
           </p:cNvPicPr>
-          <p:nvPr>
-            <p:ph/>
-          </p:nvPr>
+          <p:nvPr/>
         </p:nvPicPr>
         <p:blipFill>
-          <a:blip r:embed="rId1"/>
+          <a:blip r:embed="rId5"/>
           <a:stretch>
             <a:fillRect/>
           </a:stretch>
         </p:blipFill>
         <p:spPr>
           <a:xfrm>
-            <a:off x="2523490" y="746760"/>
-            <a:ext cx="7143750" cy="5048250"/>
+            <a:off x="4735195" y="4001135"/>
+            <a:ext cx="271780" cy="283845"/>
           </a:xfrm>
           <a:prstGeom prst="rect">
             <a:avLst/>
